--- a/hw2/Yao Yao MLee HW2 MSDS6390.pptx
+++ b/hw2/Yao Yao MLee HW2 MSDS6390.pptx
@@ -7,8 +7,8 @@
   <p:sldIdLst>
     <p:sldId id="256" r:id="rId2"/>
     <p:sldId id="257" r:id="rId3"/>
-    <p:sldId id="258" r:id="rId4"/>
-    <p:sldId id="259" r:id="rId5"/>
+    <p:sldId id="259" r:id="rId4"/>
+    <p:sldId id="258" r:id="rId5"/>
     <p:sldId id="260" r:id="rId6"/>
     <p:sldId id="261" r:id="rId7"/>
   </p:sldIdLst>
@@ -3576,11 +3576,7 @@
           <a:p>
             <a:r>
               <a:rPr lang="en-US" sz="1400" dirty="0" smtClean="0"/>
-              <a:t>}      </a:t>
-            </a:r>
-            <a:r>
-              <a:rPr lang="en-US" sz="1400" dirty="0" smtClean="0"/>
-              <a:t>fill(</a:t>
+              <a:t>}      fill(</a:t>
             </a:r>
             <a:r>
               <a:rPr lang="en-US" sz="1400" dirty="0" err="1" smtClean="0"/>
@@ -3999,11 +3995,7 @@
           <a:p>
             <a:r>
               <a:rPr lang="en-US" sz="1400" dirty="0" smtClean="0"/>
-              <a:t>line(267,164,273,186</a:t>
-            </a:r>
-            <a:r>
-              <a:rPr lang="en-US" sz="1400" dirty="0" smtClean="0"/>
-              <a:t>);</a:t>
+              <a:t>line(267,164,273,186);</a:t>
             </a:r>
           </a:p>
           <a:p>
@@ -4129,11 +4121,7 @@
           <a:p>
             <a:r>
               <a:rPr lang="en-US" sz="1400" dirty="0" smtClean="0"/>
-              <a:t>line(311,434,310,472</a:t>
-            </a:r>
-            <a:r>
-              <a:rPr lang="en-US" sz="1400" dirty="0" smtClean="0"/>
-              <a:t>);</a:t>
+              <a:t>line(311,434,310,472);</a:t>
             </a:r>
           </a:p>
           <a:p>
@@ -4345,6 +4333,601 @@
 </file>
 
 <file path=ppt/slides/slide3.xml><?xml version="1.0" encoding="utf-8"?>
+<p:sld xmlns:a="http://schemas.openxmlformats.org/drawingml/2006/main" xmlns:r="http://schemas.openxmlformats.org/officeDocument/2006/relationships" xmlns:p="http://schemas.openxmlformats.org/presentationml/2006/main">
+  <p:cSld>
+    <p:spTree>
+      <p:nvGrpSpPr>
+        <p:cNvPr id="1" name=""/>
+        <p:cNvGrpSpPr/>
+        <p:nvPr/>
+      </p:nvGrpSpPr>
+      <p:grpSpPr>
+        <a:xfrm>
+          <a:off x="0" y="0"/>
+          <a:ext cx="0" cy="0"/>
+          <a:chOff x="0" y="0"/>
+          <a:chExt cx="0" cy="0"/>
+        </a:xfrm>
+      </p:grpSpPr>
+      <p:sp>
+        <p:nvSpPr>
+          <p:cNvPr id="3" name="Content Placeholder 2"/>
+          <p:cNvSpPr>
+            <a:spLocks noGrp="1"/>
+          </p:cNvSpPr>
+          <p:nvPr>
+            <p:ph idx="1"/>
+          </p:nvPr>
+        </p:nvSpPr>
+        <p:spPr>
+          <a:xfrm>
+            <a:off x="0" y="0"/>
+            <a:ext cx="9144000" cy="6858000"/>
+          </a:xfrm>
+        </p:spPr>
+        <p:txBody>
+          <a:bodyPr numCol="2">
+            <a:normAutofit fontScale="55000" lnSpcReduction="20000"/>
+          </a:bodyPr>
+          <a:lstStyle/>
+          <a:p>
+            <a:pPr marL="0" indent="0">
+              <a:buNone/>
+            </a:pPr>
+            <a:r>
+              <a:rPr lang="en-US" dirty="0" smtClean="0"/>
+              <a:t>Using Processing's 2D drawing functions, create a self-portrait. Structure your code so that changing a size or position variable updates the entire portrait. Please be prepared to discuss how the algorithmic/coding process impacted the finished piece as compared to drawing, painting, or photographing a self-portrait.</a:t>
+            </a:r>
+          </a:p>
+          <a:p>
+            <a:pPr marL="0" indent="0">
+              <a:buNone/>
+            </a:pPr>
+            <a:endParaRPr lang="en-US" b="1" dirty="0" smtClean="0"/>
+          </a:p>
+          <a:p>
+            <a:pPr marL="0" indent="0">
+              <a:buNone/>
+            </a:pPr>
+            <a:endParaRPr lang="en-US" b="1" dirty="0" smtClean="0"/>
+          </a:p>
+          <a:p>
+            <a:pPr marL="0" indent="0">
+              <a:buNone/>
+            </a:pPr>
+            <a:r>
+              <a:rPr lang="en-US" b="1" dirty="0" smtClean="0"/>
+              <a:t>In </a:t>
+            </a:r>
+            <a:r>
+              <a:rPr lang="en-US" b="1" dirty="0" smtClean="0"/>
+              <a:t>regards to changing a size or position, the frame width and height changes with the original picture size</a:t>
+            </a:r>
+          </a:p>
+          <a:p>
+            <a:pPr marL="0" indent="0">
+              <a:buNone/>
+            </a:pPr>
+            <a:r>
+              <a:rPr lang="en-US" dirty="0" smtClean="0"/>
+              <a:t> </a:t>
+            </a:r>
+          </a:p>
+          <a:p>
+            <a:pPr marL="0" indent="0">
+              <a:buNone/>
+            </a:pPr>
+            <a:r>
+              <a:rPr lang="en-US" dirty="0" smtClean="0"/>
+              <a:t>void settings() {           </a:t>
+            </a:r>
+          </a:p>
+          <a:p>
+            <a:pPr marL="0" indent="0">
+              <a:buNone/>
+            </a:pPr>
+            <a:r>
+              <a:rPr lang="en-US" dirty="0" smtClean="0"/>
+              <a:t>  </a:t>
+            </a:r>
+            <a:r>
+              <a:rPr lang="en-US" dirty="0" err="1" smtClean="0"/>
+              <a:t>img</a:t>
+            </a:r>
+            <a:r>
+              <a:rPr lang="en-US" dirty="0" smtClean="0"/>
+              <a:t> = </a:t>
+            </a:r>
+            <a:r>
+              <a:rPr lang="en-US" dirty="0" err="1" smtClean="0"/>
+              <a:t>loadImage</a:t>
+            </a:r>
+            <a:r>
+              <a:rPr lang="en-US" dirty="0" smtClean="0"/>
+              <a:t>("1.jpg");</a:t>
+            </a:r>
+          </a:p>
+          <a:p>
+            <a:pPr marL="0" indent="0">
+              <a:buNone/>
+            </a:pPr>
+            <a:r>
+              <a:rPr lang="en-US" dirty="0" smtClean="0"/>
+              <a:t>  </a:t>
+            </a:r>
+            <a:r>
+              <a:rPr lang="en-US" dirty="0" err="1" smtClean="0"/>
+              <a:t>int</a:t>
+            </a:r>
+            <a:r>
+              <a:rPr lang="en-US" dirty="0" smtClean="0"/>
+              <a:t> </a:t>
+            </a:r>
+            <a:r>
+              <a:rPr lang="en-US" dirty="0" err="1" smtClean="0"/>
+              <a:t>iWidth</a:t>
+            </a:r>
+            <a:r>
+              <a:rPr lang="en-US" dirty="0" smtClean="0"/>
+              <a:t> = </a:t>
+            </a:r>
+            <a:r>
+              <a:rPr lang="en-US" dirty="0" err="1" smtClean="0"/>
+              <a:t>img.width</a:t>
+            </a:r>
+            <a:r>
+              <a:rPr lang="en-US" dirty="0" smtClean="0"/>
+              <a:t>*2;</a:t>
+            </a:r>
+          </a:p>
+          <a:p>
+            <a:pPr marL="0" indent="0">
+              <a:buNone/>
+            </a:pPr>
+            <a:r>
+              <a:rPr lang="en-US" dirty="0" smtClean="0"/>
+              <a:t>  </a:t>
+            </a:r>
+            <a:r>
+              <a:rPr lang="en-US" dirty="0" err="1" smtClean="0"/>
+              <a:t>int</a:t>
+            </a:r>
+            <a:r>
+              <a:rPr lang="en-US" dirty="0" smtClean="0"/>
+              <a:t> </a:t>
+            </a:r>
+            <a:r>
+              <a:rPr lang="en-US" dirty="0" err="1" smtClean="0"/>
+              <a:t>iHeight</a:t>
+            </a:r>
+            <a:r>
+              <a:rPr lang="en-US" dirty="0" smtClean="0"/>
+              <a:t> = </a:t>
+            </a:r>
+            <a:r>
+              <a:rPr lang="en-US" dirty="0" err="1" smtClean="0"/>
+              <a:t>img.height</a:t>
+            </a:r>
+            <a:r>
+              <a:rPr lang="en-US" dirty="0" smtClean="0"/>
+              <a:t>;</a:t>
+            </a:r>
+          </a:p>
+          <a:p>
+            <a:pPr marL="0" indent="0">
+              <a:buNone/>
+            </a:pPr>
+            <a:r>
+              <a:rPr lang="en-US" dirty="0" smtClean="0"/>
+              <a:t>  size(</a:t>
+            </a:r>
+            <a:r>
+              <a:rPr lang="en-US" dirty="0" err="1" smtClean="0"/>
+              <a:t>iWidth</a:t>
+            </a:r>
+            <a:r>
+              <a:rPr lang="en-US" dirty="0" smtClean="0"/>
+              <a:t>, </a:t>
+            </a:r>
+            <a:r>
+              <a:rPr lang="en-US" dirty="0" err="1" smtClean="0"/>
+              <a:t>iHeight</a:t>
+            </a:r>
+            <a:r>
+              <a:rPr lang="en-US" dirty="0" smtClean="0"/>
+              <a:t>);</a:t>
+            </a:r>
+          </a:p>
+          <a:p>
+            <a:pPr marL="0" indent="0">
+              <a:buNone/>
+            </a:pPr>
+            <a:r>
+              <a:rPr lang="en-US" dirty="0" smtClean="0"/>
+              <a:t>}</a:t>
+            </a:r>
+          </a:p>
+          <a:p>
+            <a:pPr marL="0" indent="0">
+              <a:buNone/>
+            </a:pPr>
+            <a:endParaRPr lang="en-US" dirty="0" smtClean="0"/>
+          </a:p>
+          <a:p>
+            <a:pPr marL="0" indent="0">
+              <a:buNone/>
+            </a:pPr>
+            <a:endParaRPr lang="en-US" dirty="0" smtClean="0"/>
+          </a:p>
+          <a:p>
+            <a:pPr marL="0" indent="0">
+              <a:buNone/>
+            </a:pPr>
+            <a:endParaRPr lang="en-US" dirty="0" smtClean="0"/>
+          </a:p>
+          <a:p>
+            <a:pPr marL="0" indent="0">
+              <a:buNone/>
+            </a:pPr>
+            <a:endParaRPr lang="en-US" dirty="0" smtClean="0"/>
+          </a:p>
+          <a:p>
+            <a:pPr marL="0" indent="0">
+              <a:buNone/>
+            </a:pPr>
+            <a:endParaRPr lang="en-US" dirty="0" smtClean="0"/>
+          </a:p>
+          <a:p>
+            <a:pPr marL="0" indent="0">
+              <a:buNone/>
+            </a:pPr>
+            <a:endParaRPr lang="en-US" dirty="0" smtClean="0"/>
+          </a:p>
+          <a:p>
+            <a:pPr marL="0" indent="0">
+              <a:buNone/>
+            </a:pPr>
+            <a:endParaRPr lang="en-US" dirty="0" smtClean="0"/>
+          </a:p>
+          <a:p>
+            <a:pPr marL="0" indent="0">
+              <a:buNone/>
+            </a:pPr>
+            <a:r>
+              <a:rPr lang="en-US" b="1" dirty="0" smtClean="0"/>
+              <a:t>The background boxes formed also changed in regards to the original height and width of the picture and adapts to the original dimensions. </a:t>
+            </a:r>
+          </a:p>
+          <a:p>
+            <a:pPr marL="0" indent="0">
+              <a:buNone/>
+            </a:pPr>
+            <a:r>
+              <a:rPr lang="en-US" dirty="0" smtClean="0"/>
+              <a:t> </a:t>
+            </a:r>
+          </a:p>
+          <a:p>
+            <a:pPr marL="0" indent="0">
+              <a:buNone/>
+            </a:pPr>
+            <a:r>
+              <a:rPr lang="en-US" dirty="0" smtClean="0"/>
+              <a:t>void </a:t>
+            </a:r>
+            <a:r>
+              <a:rPr lang="en-US" dirty="0" err="1" smtClean="0"/>
+              <a:t>mousePressed</a:t>
+            </a:r>
+            <a:r>
+              <a:rPr lang="en-US" dirty="0" smtClean="0"/>
+              <a:t>() {</a:t>
+            </a:r>
+          </a:p>
+          <a:p>
+            <a:pPr marL="0" indent="0">
+              <a:buNone/>
+            </a:pPr>
+            <a:r>
+              <a:rPr lang="en-US" dirty="0" smtClean="0"/>
+              <a:t>  if (</a:t>
+            </a:r>
+            <a:r>
+              <a:rPr lang="en-US" dirty="0" err="1" smtClean="0"/>
+              <a:t>mouseButton</a:t>
+            </a:r>
+            <a:r>
+              <a:rPr lang="en-US" dirty="0" smtClean="0"/>
+              <a:t> == LEFT) {</a:t>
+            </a:r>
+          </a:p>
+          <a:p>
+            <a:pPr marL="0" indent="0">
+              <a:buNone/>
+            </a:pPr>
+            <a:r>
+              <a:rPr lang="en-US" dirty="0" smtClean="0"/>
+              <a:t>    </a:t>
+            </a:r>
+            <a:r>
+              <a:rPr lang="en-US" dirty="0" err="1" smtClean="0"/>
+              <a:t>int</a:t>
+            </a:r>
+            <a:r>
+              <a:rPr lang="en-US" dirty="0" smtClean="0"/>
+              <a:t> x = </a:t>
+            </a:r>
+            <a:r>
+              <a:rPr lang="en-US" dirty="0" err="1" smtClean="0"/>
+              <a:t>img.width</a:t>
+            </a:r>
+            <a:r>
+              <a:rPr lang="en-US" dirty="0" smtClean="0"/>
+              <a:t>/15;</a:t>
+            </a:r>
+          </a:p>
+          <a:p>
+            <a:pPr marL="0" indent="0">
+              <a:buNone/>
+            </a:pPr>
+            <a:r>
+              <a:rPr lang="en-US" dirty="0" smtClean="0"/>
+              <a:t>    </a:t>
+            </a:r>
+            <a:r>
+              <a:rPr lang="en-US" dirty="0" err="1" smtClean="0"/>
+              <a:t>int</a:t>
+            </a:r>
+            <a:r>
+              <a:rPr lang="en-US" dirty="0" smtClean="0"/>
+              <a:t> y = </a:t>
+            </a:r>
+            <a:r>
+              <a:rPr lang="en-US" dirty="0" err="1" smtClean="0"/>
+              <a:t>img.height</a:t>
+            </a:r>
+            <a:r>
+              <a:rPr lang="en-US" dirty="0" smtClean="0"/>
+              <a:t>/30;</a:t>
+            </a:r>
+          </a:p>
+          <a:p>
+            <a:pPr marL="0" indent="0">
+              <a:buNone/>
+            </a:pPr>
+            <a:r>
+              <a:rPr lang="en-US" dirty="0" smtClean="0"/>
+              <a:t>    stroke(1);</a:t>
+            </a:r>
+          </a:p>
+          <a:p>
+            <a:pPr marL="0" indent="0">
+              <a:buNone/>
+            </a:pPr>
+            <a:r>
+              <a:rPr lang="en-US" dirty="0" smtClean="0"/>
+              <a:t>    for(</a:t>
+            </a:r>
+            <a:r>
+              <a:rPr lang="en-US" dirty="0" err="1" smtClean="0"/>
+              <a:t>int</a:t>
+            </a:r>
+            <a:r>
+              <a:rPr lang="en-US" dirty="0" smtClean="0"/>
+              <a:t> </a:t>
+            </a:r>
+            <a:r>
+              <a:rPr lang="en-US" dirty="0" err="1" smtClean="0"/>
+              <a:t>i</a:t>
+            </a:r>
+            <a:r>
+              <a:rPr lang="en-US" dirty="0" smtClean="0"/>
+              <a:t> = 0; </a:t>
+            </a:r>
+            <a:r>
+              <a:rPr lang="en-US" dirty="0" err="1" smtClean="0"/>
+              <a:t>i</a:t>
+            </a:r>
+            <a:r>
+              <a:rPr lang="en-US" dirty="0" smtClean="0"/>
+              <a:t> &lt; </a:t>
+            </a:r>
+            <a:r>
+              <a:rPr lang="en-US" dirty="0" err="1" smtClean="0"/>
+              <a:t>img.width</a:t>
+            </a:r>
+            <a:r>
+              <a:rPr lang="en-US" dirty="0" smtClean="0"/>
+              <a:t>; </a:t>
+            </a:r>
+            <a:r>
+              <a:rPr lang="en-US" dirty="0" err="1" smtClean="0"/>
+              <a:t>i</a:t>
+            </a:r>
+            <a:r>
+              <a:rPr lang="en-US" dirty="0" smtClean="0"/>
+              <a:t> += x){</a:t>
+            </a:r>
+          </a:p>
+          <a:p>
+            <a:pPr marL="0" indent="0">
+              <a:buNone/>
+            </a:pPr>
+            <a:r>
+              <a:rPr lang="en-US" dirty="0" smtClean="0"/>
+              <a:t>      for(</a:t>
+            </a:r>
+            <a:r>
+              <a:rPr lang="en-US" dirty="0" err="1" smtClean="0"/>
+              <a:t>int</a:t>
+            </a:r>
+            <a:r>
+              <a:rPr lang="en-US" dirty="0" smtClean="0"/>
+              <a:t> j = 0; j &lt; </a:t>
+            </a:r>
+            <a:r>
+              <a:rPr lang="en-US" dirty="0" err="1" smtClean="0"/>
+              <a:t>img.height</a:t>
+            </a:r>
+            <a:r>
+              <a:rPr lang="en-US" dirty="0" smtClean="0"/>
+              <a:t>; j += y){</a:t>
+            </a:r>
+          </a:p>
+          <a:p>
+            <a:pPr marL="0" indent="0">
+              <a:buNone/>
+            </a:pPr>
+            <a:r>
+              <a:rPr lang="en-US" dirty="0" smtClean="0"/>
+              <a:t>        fill(</a:t>
+            </a:r>
+            <a:r>
+              <a:rPr lang="en-US" dirty="0" err="1" smtClean="0"/>
+              <a:t>int</a:t>
+            </a:r>
+            <a:r>
+              <a:rPr lang="en-US" dirty="0" smtClean="0"/>
+              <a:t>(random(255)),</a:t>
+            </a:r>
+            <a:r>
+              <a:rPr lang="en-US" dirty="0" err="1" smtClean="0"/>
+              <a:t>int</a:t>
+            </a:r>
+            <a:r>
+              <a:rPr lang="en-US" dirty="0" smtClean="0"/>
+              <a:t>(random(255)),</a:t>
+            </a:r>
+            <a:r>
+              <a:rPr lang="en-US" dirty="0" err="1" smtClean="0"/>
+              <a:t>int</a:t>
+            </a:r>
+            <a:r>
+              <a:rPr lang="en-US" dirty="0" smtClean="0"/>
+              <a:t>(random(255)));</a:t>
+            </a:r>
+          </a:p>
+          <a:p>
+            <a:pPr marL="0" indent="0">
+              <a:buNone/>
+            </a:pPr>
+            <a:r>
+              <a:rPr lang="en-US" dirty="0" smtClean="0"/>
+              <a:t>        </a:t>
+            </a:r>
+            <a:r>
+              <a:rPr lang="en-US" dirty="0" err="1" smtClean="0"/>
+              <a:t>rect</a:t>
+            </a:r>
+            <a:r>
+              <a:rPr lang="en-US" dirty="0" smtClean="0"/>
+              <a:t>(</a:t>
+            </a:r>
+            <a:r>
+              <a:rPr lang="en-US" dirty="0" err="1" smtClean="0"/>
+              <a:t>i,j,x,y</a:t>
+            </a:r>
+            <a:r>
+              <a:rPr lang="en-US" dirty="0" smtClean="0"/>
+              <a:t>);</a:t>
+            </a:r>
+          </a:p>
+          <a:p>
+            <a:pPr marL="0" indent="0">
+              <a:buNone/>
+            </a:pPr>
+            <a:r>
+              <a:rPr lang="en-US" dirty="0" smtClean="0"/>
+              <a:t>      }</a:t>
+            </a:r>
+          </a:p>
+          <a:p>
+            <a:pPr marL="0" indent="0">
+              <a:buNone/>
+            </a:pPr>
+            <a:r>
+              <a:rPr lang="en-US" dirty="0" smtClean="0"/>
+              <a:t>    }</a:t>
+            </a:r>
+          </a:p>
+          <a:p>
+            <a:pPr marL="0" indent="0">
+              <a:buNone/>
+            </a:pPr>
+            <a:r>
+              <a:rPr lang="en-US" dirty="0" smtClean="0"/>
+              <a:t>  } else if(</a:t>
+            </a:r>
+            <a:r>
+              <a:rPr lang="en-US" dirty="0" err="1" smtClean="0"/>
+              <a:t>mouseButton</a:t>
+            </a:r>
+            <a:r>
+              <a:rPr lang="en-US" dirty="0" smtClean="0"/>
+              <a:t> == RIGHT) {</a:t>
+            </a:r>
+          </a:p>
+          <a:p>
+            <a:pPr marL="0" indent="0">
+              <a:buNone/>
+            </a:pPr>
+            <a:r>
+              <a:rPr lang="en-US" dirty="0" smtClean="0"/>
+              <a:t>    save("final.jpg");</a:t>
+            </a:r>
+          </a:p>
+          <a:p>
+            <a:pPr marL="0" indent="0">
+              <a:buNone/>
+            </a:pPr>
+            <a:r>
+              <a:rPr lang="en-US" dirty="0" smtClean="0"/>
+              <a:t>  }</a:t>
+            </a:r>
+          </a:p>
+          <a:p>
+            <a:pPr marL="0" indent="0">
+              <a:buNone/>
+            </a:pPr>
+            <a:r>
+              <a:rPr lang="en-US" dirty="0" smtClean="0"/>
+              <a:t>}</a:t>
+            </a:r>
+          </a:p>
+          <a:p>
+            <a:pPr marL="0" indent="0">
+              <a:buNone/>
+            </a:pPr>
+            <a:r>
+              <a:rPr lang="en-US" dirty="0" smtClean="0"/>
+              <a:t> </a:t>
+            </a:r>
+          </a:p>
+          <a:p>
+            <a:pPr marL="0" indent="0">
+              <a:buNone/>
+            </a:pPr>
+            <a:r>
+              <a:rPr lang="en-US" b="1" dirty="0" smtClean="0"/>
+              <a:t>Otherwise, the shapes and lines used are pretty </a:t>
+            </a:r>
+            <a:r>
+              <a:rPr lang="en-US" b="1" dirty="0" smtClean="0"/>
+              <a:t>static</a:t>
+            </a:r>
+            <a:endParaRPr lang="en-US" b="1" dirty="0" smtClean="0"/>
+          </a:p>
+        </p:txBody>
+      </p:sp>
+    </p:spTree>
+  </p:cSld>
+  <p:clrMapOvr>
+    <a:masterClrMapping/>
+  </p:clrMapOvr>
+</p:sld>
+</file>
+
+<file path=ppt/slides/slide4.xml><?xml version="1.0" encoding="utf-8"?>
 <p:sld xmlns:a="http://schemas.openxmlformats.org/drawingml/2006/main" xmlns:r="http://schemas.openxmlformats.org/officeDocument/2006/relationships" xmlns:p="http://schemas.openxmlformats.org/presentationml/2006/main">
   <p:cSld>
     <p:spTree>
@@ -6523,69 +7106,6 @@
               <a:rPr lang="en-US" b="1" dirty="0" smtClean="0"/>
               <a:t>The drawing</a:t>
             </a:r>
-          </a:p>
-        </p:txBody>
-      </p:sp>
-    </p:spTree>
-  </p:cSld>
-  <p:clrMapOvr>
-    <a:masterClrMapping/>
-  </p:clrMapOvr>
-</p:sld>
-</file>
-
-<file path=ppt/slides/slide4.xml><?xml version="1.0" encoding="utf-8"?>
-<p:sld xmlns:a="http://schemas.openxmlformats.org/drawingml/2006/main" xmlns:r="http://schemas.openxmlformats.org/officeDocument/2006/relationships" xmlns:p="http://schemas.openxmlformats.org/presentationml/2006/main">
-  <p:cSld>
-    <p:spTree>
-      <p:nvGrpSpPr>
-        <p:cNvPr id="1" name=""/>
-        <p:cNvGrpSpPr/>
-        <p:nvPr/>
-      </p:nvGrpSpPr>
-      <p:grpSpPr>
-        <a:xfrm>
-          <a:off x="0" y="0"/>
-          <a:ext cx="0" cy="0"/>
-          <a:chOff x="0" y="0"/>
-          <a:chExt cx="0" cy="0"/>
-        </a:xfrm>
-      </p:grpSpPr>
-      <p:sp>
-        <p:nvSpPr>
-          <p:cNvPr id="2" name="Title 1"/>
-          <p:cNvSpPr>
-            <a:spLocks noGrp="1"/>
-          </p:cNvSpPr>
-          <p:nvPr>
-            <p:ph type="title"/>
-          </p:nvPr>
-        </p:nvSpPr>
-        <p:spPr/>
-        <p:txBody>
-          <a:bodyPr/>
-          <a:lstStyle/>
-          <a:p>
-            <a:endParaRPr lang="en-US"/>
-          </a:p>
-        </p:txBody>
-      </p:sp>
-      <p:sp>
-        <p:nvSpPr>
-          <p:cNvPr id="3" name="Content Placeholder 2"/>
-          <p:cNvSpPr>
-            <a:spLocks noGrp="1"/>
-          </p:cNvSpPr>
-          <p:nvPr>
-            <p:ph idx="1"/>
-          </p:nvPr>
-        </p:nvSpPr>
-        <p:spPr/>
-        <p:txBody>
-          <a:bodyPr/>
-          <a:lstStyle/>
-          <a:p>
-            <a:endParaRPr lang="en-US"/>
           </a:p>
         </p:txBody>
       </p:sp>

--- a/hw2/Yao Yao MLee HW2 MSDS6390.pptx
+++ b/hw2/Yao Yao MLee HW2 MSDS6390.pptx
@@ -294,7 +294,7 @@
             <a:fld id="{6AC71F26-10CE-47CF-B9B3-2BB45B4BE7B6}" type="datetimeFigureOut">
               <a:rPr lang="en-US" smtClean="0"/>
               <a:pPr/>
-              <a:t>1/15/2018</a:t>
+              <a:t>1/16/2018</a:t>
             </a:fld>
             <a:endParaRPr lang="en-US"/>
           </a:p>
@@ -461,7 +461,7 @@
             <a:fld id="{6AC71F26-10CE-47CF-B9B3-2BB45B4BE7B6}" type="datetimeFigureOut">
               <a:rPr lang="en-US" smtClean="0"/>
               <a:pPr/>
-              <a:t>1/15/2018</a:t>
+              <a:t>1/16/2018</a:t>
             </a:fld>
             <a:endParaRPr lang="en-US"/>
           </a:p>
@@ -638,7 +638,7 @@
             <a:fld id="{6AC71F26-10CE-47CF-B9B3-2BB45B4BE7B6}" type="datetimeFigureOut">
               <a:rPr lang="en-US" smtClean="0"/>
               <a:pPr/>
-              <a:t>1/15/2018</a:t>
+              <a:t>1/16/2018</a:t>
             </a:fld>
             <a:endParaRPr lang="en-US"/>
           </a:p>
@@ -805,7 +805,7 @@
             <a:fld id="{6AC71F26-10CE-47CF-B9B3-2BB45B4BE7B6}" type="datetimeFigureOut">
               <a:rPr lang="en-US" smtClean="0"/>
               <a:pPr/>
-              <a:t>1/15/2018</a:t>
+              <a:t>1/16/2018</a:t>
             </a:fld>
             <a:endParaRPr lang="en-US"/>
           </a:p>
@@ -1048,7 +1048,7 @@
             <a:fld id="{6AC71F26-10CE-47CF-B9B3-2BB45B4BE7B6}" type="datetimeFigureOut">
               <a:rPr lang="en-US" smtClean="0"/>
               <a:pPr/>
-              <a:t>1/15/2018</a:t>
+              <a:t>1/16/2018</a:t>
             </a:fld>
             <a:endParaRPr lang="en-US"/>
           </a:p>
@@ -1333,7 +1333,7 @@
             <a:fld id="{6AC71F26-10CE-47CF-B9B3-2BB45B4BE7B6}" type="datetimeFigureOut">
               <a:rPr lang="en-US" smtClean="0"/>
               <a:pPr/>
-              <a:t>1/15/2018</a:t>
+              <a:t>1/16/2018</a:t>
             </a:fld>
             <a:endParaRPr lang="en-US"/>
           </a:p>
@@ -1752,7 +1752,7 @@
             <a:fld id="{6AC71F26-10CE-47CF-B9B3-2BB45B4BE7B6}" type="datetimeFigureOut">
               <a:rPr lang="en-US" smtClean="0"/>
               <a:pPr/>
-              <a:t>1/15/2018</a:t>
+              <a:t>1/16/2018</a:t>
             </a:fld>
             <a:endParaRPr lang="en-US"/>
           </a:p>
@@ -1867,7 +1867,7 @@
             <a:fld id="{6AC71F26-10CE-47CF-B9B3-2BB45B4BE7B6}" type="datetimeFigureOut">
               <a:rPr lang="en-US" smtClean="0"/>
               <a:pPr/>
-              <a:t>1/15/2018</a:t>
+              <a:t>1/16/2018</a:t>
             </a:fld>
             <a:endParaRPr lang="en-US"/>
           </a:p>
@@ -1959,7 +1959,7 @@
             <a:fld id="{6AC71F26-10CE-47CF-B9B3-2BB45B4BE7B6}" type="datetimeFigureOut">
               <a:rPr lang="en-US" smtClean="0"/>
               <a:pPr/>
-              <a:t>1/15/2018</a:t>
+              <a:t>1/16/2018</a:t>
             </a:fld>
             <a:endParaRPr lang="en-US"/>
           </a:p>
@@ -2233,7 +2233,7 @@
             <a:fld id="{6AC71F26-10CE-47CF-B9B3-2BB45B4BE7B6}" type="datetimeFigureOut">
               <a:rPr lang="en-US" smtClean="0"/>
               <a:pPr/>
-              <a:t>1/15/2018</a:t>
+              <a:t>1/16/2018</a:t>
             </a:fld>
             <a:endParaRPr lang="en-US"/>
           </a:p>
@@ -2483,7 +2483,7 @@
             <a:fld id="{6AC71F26-10CE-47CF-B9B3-2BB45B4BE7B6}" type="datetimeFigureOut">
               <a:rPr lang="en-US" smtClean="0"/>
               <a:pPr/>
-              <a:t>1/15/2018</a:t>
+              <a:t>1/16/2018</a:t>
             </a:fld>
             <a:endParaRPr lang="en-US"/>
           </a:p>
@@ -2693,7 +2693,7 @@
             <a:fld id="{6AC71F26-10CE-47CF-B9B3-2BB45B4BE7B6}" type="datetimeFigureOut">
               <a:rPr lang="en-US" smtClean="0"/>
               <a:pPr/>
-              <a:t>1/15/2018</a:t>
+              <a:t>1/16/2018</a:t>
             </a:fld>
             <a:endParaRPr lang="en-US"/>
           </a:p>
@@ -3216,6 +3216,26 @@
             </a:r>
           </a:p>
           <a:p>
+            <a:r>
+              <a:rPr lang="en-US" sz="1400" dirty="0" err="1" smtClean="0"/>
+              <a:t>int</a:t>
+            </a:r>
+            <a:r>
+              <a:rPr lang="en-US" sz="1400" dirty="0" smtClean="0"/>
+              <a:t> p = 0, q = 0;</a:t>
+            </a:r>
+          </a:p>
+          <a:p>
+            <a:r>
+              <a:rPr lang="en-US" sz="1400" dirty="0" err="1" smtClean="0"/>
+              <a:t>PFont</a:t>
+            </a:r>
+            <a:r>
+              <a:rPr lang="en-US" sz="1400" dirty="0" smtClean="0"/>
+              <a:t> f;</a:t>
+            </a:r>
+          </a:p>
+          <a:p>
             <a:endParaRPr lang="en-US" sz="1400" dirty="0" smtClean="0"/>
           </a:p>
           <a:p>
@@ -3340,6 +3360,35 @@
           <a:p>
             <a:r>
               <a:rPr lang="en-US" sz="1400" dirty="0" smtClean="0"/>
+              <a:t>void setup() {</a:t>
+            </a:r>
+          </a:p>
+          <a:p>
+            <a:r>
+              <a:rPr lang="en-US" sz="1400" dirty="0" smtClean="0"/>
+              <a:t>  f = </a:t>
+            </a:r>
+            <a:r>
+              <a:rPr lang="en-US" sz="1400" dirty="0" err="1" smtClean="0"/>
+              <a:t>createFont</a:t>
+            </a:r>
+            <a:r>
+              <a:rPr lang="en-US" sz="1400" dirty="0" smtClean="0"/>
+              <a:t>("Arial",8,true);</a:t>
+            </a:r>
+          </a:p>
+          <a:p>
+            <a:r>
+              <a:rPr lang="en-US" sz="1400" dirty="0" smtClean="0"/>
+              <a:t>}</a:t>
+            </a:r>
+          </a:p>
+          <a:p>
+            <a:endParaRPr lang="en-US" sz="1400" dirty="0" smtClean="0"/>
+          </a:p>
+          <a:p>
+            <a:r>
+              <a:rPr lang="en-US" sz="1400" dirty="0" smtClean="0"/>
               <a:t>void </a:t>
             </a:r>
             <a:r>
@@ -3354,7 +3403,7 @@
           <a:p>
             <a:r>
               <a:rPr lang="en-US" sz="1400" dirty="0" smtClean="0"/>
-              <a:t>  if (</a:t>
+              <a:t>  if(</a:t>
             </a:r>
             <a:r>
               <a:rPr lang="en-US" sz="1400" dirty="0" err="1" smtClean="0"/>
@@ -3362,21 +3411,377 @@
             </a:r>
             <a:r>
               <a:rPr lang="en-US" sz="1400" dirty="0" smtClean="0"/>
+              <a:t> == RIGHT) {</a:t>
+            </a:r>
+          </a:p>
+          <a:p>
+            <a:r>
+              <a:rPr lang="en-US" sz="1400" dirty="0" smtClean="0"/>
+              <a:t>    save("final.jpg");</a:t>
+            </a:r>
+          </a:p>
+          <a:p>
+            <a:r>
+              <a:rPr lang="en-US" sz="1400" dirty="0" smtClean="0"/>
+              <a:t>  }</a:t>
+            </a:r>
+          </a:p>
+          <a:p>
+            <a:r>
+              <a:rPr lang="en-US" sz="1400" dirty="0" smtClean="0"/>
+              <a:t>}</a:t>
+            </a:r>
+          </a:p>
+          <a:p>
+            <a:endParaRPr lang="en-US" sz="1400" dirty="0" smtClean="0"/>
+          </a:p>
+          <a:p>
+            <a:r>
+              <a:rPr lang="en-US" sz="1400" dirty="0" smtClean="0"/>
+              <a:t>void </a:t>
+            </a:r>
+            <a:r>
+              <a:rPr lang="en-US" sz="1400" dirty="0" err="1" smtClean="0"/>
+              <a:t>keyPressed</a:t>
+            </a:r>
+            <a:r>
+              <a:rPr lang="en-US" sz="1400" dirty="0" smtClean="0"/>
+              <a:t>() {</a:t>
+            </a:r>
+          </a:p>
+          <a:p>
+            <a:r>
+              <a:rPr lang="en-US" sz="1400" dirty="0" smtClean="0"/>
+              <a:t>  if (key == CODED) {</a:t>
+            </a:r>
+          </a:p>
+          <a:p>
+            <a:r>
+              <a:rPr lang="en-US" sz="1400" dirty="0" smtClean="0"/>
+              <a:t>    float x = </a:t>
+            </a:r>
+            <a:r>
+              <a:rPr lang="en-US" sz="1400" dirty="0" err="1" smtClean="0"/>
+              <a:t>img.width</a:t>
+            </a:r>
+            <a:r>
+              <a:rPr lang="en-US" sz="1400" dirty="0" smtClean="0"/>
+              <a:t>*</a:t>
+            </a:r>
+            <a:r>
+              <a:rPr lang="en-US" sz="1400" dirty="0" err="1" smtClean="0"/>
+              <a:t>pow</a:t>
+            </a:r>
+            <a:r>
+              <a:rPr lang="en-US" sz="1400" dirty="0" smtClean="0"/>
+              <a:t>(1.1,p)/15;</a:t>
+            </a:r>
+          </a:p>
+          <a:p>
+            <a:r>
+              <a:rPr lang="en-US" sz="1400" dirty="0" smtClean="0"/>
+              <a:t>    float y = </a:t>
+            </a:r>
+            <a:r>
+              <a:rPr lang="en-US" sz="1400" dirty="0" err="1" smtClean="0"/>
+              <a:t>img.height</a:t>
+            </a:r>
+            <a:r>
+              <a:rPr lang="en-US" sz="1400" dirty="0" smtClean="0"/>
+              <a:t>*</a:t>
+            </a:r>
+            <a:r>
+              <a:rPr lang="en-US" sz="1400" dirty="0" err="1" smtClean="0"/>
+              <a:t>pow</a:t>
+            </a:r>
+            <a:r>
+              <a:rPr lang="en-US" sz="1400" dirty="0" smtClean="0"/>
+              <a:t>(1.1,p)/30;</a:t>
+            </a:r>
+          </a:p>
+          <a:p>
+            <a:r>
+              <a:rPr lang="en-US" sz="1400" dirty="0" smtClean="0"/>
+              <a:t>    stroke(1);</a:t>
+            </a:r>
+          </a:p>
+          <a:p>
+            <a:r>
+              <a:rPr lang="en-US" sz="1400" dirty="0" smtClean="0"/>
+              <a:t>    for(</a:t>
+            </a:r>
+            <a:r>
+              <a:rPr lang="en-US" sz="1400" dirty="0" err="1" smtClean="0"/>
+              <a:t>int</a:t>
+            </a:r>
+            <a:r>
+              <a:rPr lang="en-US" sz="1400" dirty="0" smtClean="0"/>
+              <a:t> </a:t>
+            </a:r>
+            <a:r>
+              <a:rPr lang="en-US" sz="1400" dirty="0" err="1" smtClean="0"/>
+              <a:t>i</a:t>
+            </a:r>
+            <a:r>
+              <a:rPr lang="en-US" sz="1400" dirty="0" smtClean="0"/>
+              <a:t> = 0; </a:t>
+            </a:r>
+            <a:r>
+              <a:rPr lang="en-US" sz="1400" dirty="0" err="1" smtClean="0"/>
+              <a:t>i</a:t>
+            </a:r>
+            <a:r>
+              <a:rPr lang="en-US" sz="1400" dirty="0" smtClean="0"/>
+              <a:t> &lt; </a:t>
+            </a:r>
+            <a:r>
+              <a:rPr lang="en-US" sz="1400" dirty="0" err="1" smtClean="0"/>
+              <a:t>img.width</a:t>
+            </a:r>
+            <a:r>
+              <a:rPr lang="en-US" sz="1400" dirty="0" smtClean="0"/>
+              <a:t>; </a:t>
+            </a:r>
+            <a:r>
+              <a:rPr lang="en-US" sz="1400" dirty="0" err="1" smtClean="0"/>
+              <a:t>i</a:t>
+            </a:r>
+            <a:r>
+              <a:rPr lang="en-US" sz="1400" dirty="0" smtClean="0"/>
+              <a:t> += x){</a:t>
+            </a:r>
+          </a:p>
+          <a:p>
+            <a:r>
+              <a:rPr lang="en-US" sz="1400" dirty="0" smtClean="0"/>
+              <a:t>      for(</a:t>
+            </a:r>
+            <a:r>
+              <a:rPr lang="en-US" sz="1400" dirty="0" err="1" smtClean="0"/>
+              <a:t>int</a:t>
+            </a:r>
+            <a:r>
+              <a:rPr lang="en-US" sz="1400" dirty="0" smtClean="0"/>
+              <a:t> j = 0; j &lt; </a:t>
+            </a:r>
+            <a:r>
+              <a:rPr lang="en-US" sz="1400" dirty="0" err="1" smtClean="0"/>
+              <a:t>img.height</a:t>
+            </a:r>
+            <a:r>
+              <a:rPr lang="en-US" sz="1400" dirty="0" smtClean="0"/>
+              <a:t>; j += y){</a:t>
+            </a:r>
+          </a:p>
+          <a:p>
+            <a:r>
+              <a:rPr lang="en-US" sz="1400" dirty="0" smtClean="0"/>
+              <a:t>        fill(</a:t>
+            </a:r>
+            <a:r>
+              <a:rPr lang="en-US" sz="1400" dirty="0" err="1" smtClean="0"/>
+              <a:t>int</a:t>
+            </a:r>
+            <a:r>
+              <a:rPr lang="en-US" sz="1400" dirty="0" smtClean="0"/>
+              <a:t>(random(255)),</a:t>
+            </a:r>
+            <a:r>
+              <a:rPr lang="en-US" sz="1400" dirty="0" err="1" smtClean="0"/>
+              <a:t>int</a:t>
+            </a:r>
+            <a:r>
+              <a:rPr lang="en-US" sz="1400" dirty="0" smtClean="0"/>
+              <a:t>(random(255)),</a:t>
+            </a:r>
+            <a:r>
+              <a:rPr lang="en-US" sz="1400" dirty="0" err="1" smtClean="0"/>
+              <a:t>int</a:t>
+            </a:r>
+            <a:r>
+              <a:rPr lang="en-US" sz="1400" dirty="0" smtClean="0"/>
+              <a:t>(random(255)));</a:t>
+            </a:r>
+          </a:p>
+          <a:p>
+            <a:r>
+              <a:rPr lang="en-US" sz="1400" dirty="0" smtClean="0"/>
+              <a:t>        </a:t>
+            </a:r>
+            <a:r>
+              <a:rPr lang="en-US" sz="1400" dirty="0" err="1" smtClean="0"/>
+              <a:t>rect</a:t>
+            </a:r>
+            <a:r>
+              <a:rPr lang="en-US" sz="1400" dirty="0" smtClean="0"/>
+              <a:t>(</a:t>
+            </a:r>
+            <a:r>
+              <a:rPr lang="en-US" sz="1400" dirty="0" err="1" smtClean="0"/>
+              <a:t>i,j,x,y</a:t>
+            </a:r>
+            <a:r>
+              <a:rPr lang="en-US" sz="1400" dirty="0" smtClean="0"/>
+              <a:t>);</a:t>
+            </a:r>
+          </a:p>
+          <a:p>
+            <a:r>
+              <a:rPr lang="en-US" sz="1400" dirty="0" smtClean="0"/>
+              <a:t>      }</a:t>
+            </a:r>
+          </a:p>
+          <a:p>
+            <a:r>
+              <a:rPr lang="en-US" sz="1400" dirty="0" smtClean="0"/>
+              <a:t>    }</a:t>
+            </a:r>
+          </a:p>
+          <a:p>
+            <a:r>
+              <a:rPr lang="en-US" sz="1400" dirty="0" smtClean="0"/>
+              <a:t>    if (</a:t>
+            </a:r>
+            <a:r>
+              <a:rPr lang="en-US" sz="1400" dirty="0" err="1" smtClean="0"/>
+              <a:t>keyCode</a:t>
+            </a:r>
+            <a:r>
+              <a:rPr lang="en-US" sz="1400" dirty="0" smtClean="0"/>
+              <a:t> == UP) { //size</a:t>
+            </a:r>
+          </a:p>
+          <a:p>
+            <a:r>
+              <a:rPr lang="en-US" sz="1400" dirty="0" smtClean="0"/>
+              <a:t>      p++;</a:t>
+            </a:r>
+          </a:p>
+          <a:p>
+            <a:r>
+              <a:rPr lang="en-US" sz="1400" dirty="0" smtClean="0"/>
+              <a:t>    } else if (</a:t>
+            </a:r>
+            <a:r>
+              <a:rPr lang="en-US" sz="1400" dirty="0" err="1" smtClean="0"/>
+              <a:t>keyCode</a:t>
+            </a:r>
+            <a:r>
+              <a:rPr lang="en-US" sz="1400" dirty="0" smtClean="0"/>
+              <a:t> == DOWN) {</a:t>
+            </a:r>
+          </a:p>
+          <a:p>
+            <a:r>
+              <a:rPr lang="en-US" sz="1400" dirty="0" smtClean="0"/>
+              <a:t>      p--;</a:t>
+            </a:r>
+          </a:p>
+          <a:p>
+            <a:r>
+              <a:rPr lang="en-US" sz="1400" dirty="0" smtClean="0"/>
+              <a:t>    } else if (</a:t>
+            </a:r>
+            <a:r>
+              <a:rPr lang="en-US" sz="1400" dirty="0" err="1" smtClean="0"/>
+              <a:t>keyCode</a:t>
+            </a:r>
+            <a:r>
+              <a:rPr lang="en-US" sz="1400" dirty="0" smtClean="0"/>
+              <a:t> == RIGHT) { //position</a:t>
+            </a:r>
+          </a:p>
+          <a:p>
+            <a:r>
+              <a:rPr lang="en-US" sz="1400" dirty="0" smtClean="0"/>
+              <a:t>      q+=10;</a:t>
+            </a:r>
+          </a:p>
+          <a:p>
+            <a:r>
+              <a:rPr lang="en-US" sz="1400" dirty="0" smtClean="0"/>
+              <a:t>    } else if (</a:t>
+            </a:r>
+            <a:r>
+              <a:rPr lang="en-US" sz="1400" dirty="0" err="1" smtClean="0"/>
+              <a:t>keyCode</a:t>
+            </a:r>
+            <a:r>
+              <a:rPr lang="en-US" sz="1400" dirty="0" smtClean="0"/>
               <a:t> == LEFT) {</a:t>
             </a:r>
           </a:p>
           <a:p>
             <a:r>
               <a:rPr lang="en-US" sz="1400" dirty="0" smtClean="0"/>
-              <a:t>    </a:t>
-            </a:r>
-            <a:r>
-              <a:rPr lang="en-US" sz="1400" dirty="0" err="1" smtClean="0"/>
-              <a:t>int</a:t>
-            </a:r>
-            <a:r>
-              <a:rPr lang="en-US" sz="1400" dirty="0" smtClean="0"/>
-              <a:t> x = </a:t>
+              <a:t>      q-=10;</a:t>
+            </a:r>
+          </a:p>
+          <a:p>
+            <a:r>
+              <a:rPr lang="en-US" sz="1400" dirty="0" smtClean="0"/>
+              <a:t>    }</a:t>
+            </a:r>
+          </a:p>
+          <a:p>
+            <a:r>
+              <a:rPr lang="en-US" sz="1400" dirty="0" smtClean="0"/>
+              <a:t>  }</a:t>
+            </a:r>
+          </a:p>
+          <a:p>
+            <a:r>
+              <a:rPr lang="en-US" sz="1400" dirty="0" smtClean="0"/>
+              <a:t>}</a:t>
+            </a:r>
+          </a:p>
+          <a:p>
+            <a:endParaRPr lang="en-US" sz="1400" dirty="0" smtClean="0"/>
+          </a:p>
+          <a:p>
+            <a:r>
+              <a:rPr lang="en-US" sz="1400" dirty="0" smtClean="0"/>
+              <a:t>void draw() {</a:t>
+            </a:r>
+          </a:p>
+          <a:p>
+            <a:r>
+              <a:rPr lang="en-US" sz="1400" dirty="0" smtClean="0"/>
+              <a:t>  </a:t>
+            </a:r>
+            <a:r>
+              <a:rPr lang="en-US" sz="1400" dirty="0" err="1" smtClean="0"/>
+              <a:t>textFont</a:t>
+            </a:r>
+            <a:r>
+              <a:rPr lang="en-US" sz="1400" dirty="0" smtClean="0"/>
+              <a:t>(f,16);</a:t>
+            </a:r>
+          </a:p>
+          <a:p>
+            <a:r>
+              <a:rPr lang="en-US" sz="1400" dirty="0" smtClean="0"/>
+              <a:t>  fill(255);</a:t>
+            </a:r>
+          </a:p>
+          <a:p>
+            <a:r>
+              <a:rPr lang="en-US" sz="1400" dirty="0" smtClean="0"/>
+              <a:t>  text("Press: Left, Right, Up, or Down",0,16);</a:t>
+            </a:r>
+          </a:p>
+          <a:p>
+            <a:r>
+              <a:rPr lang="en-US" sz="1400" dirty="0" smtClean="0"/>
+              <a:t>  float </a:t>
+            </a:r>
+            <a:r>
+              <a:rPr lang="en-US" sz="1400" dirty="0" err="1" smtClean="0"/>
+              <a:t>iWidth</a:t>
+            </a:r>
+            <a:r>
+              <a:rPr lang="en-US" sz="1400" dirty="0" smtClean="0"/>
+              <a:t> = </a:t>
             </a:r>
             <a:r>
               <a:rPr lang="en-US" sz="1400" dirty="0" err="1" smtClean="0"/>
@@ -3384,21 +3789,29 @@
             </a:r>
             <a:r>
               <a:rPr lang="en-US" sz="1400" dirty="0" smtClean="0"/>
-              <a:t>/15;</a:t>
-            </a:r>
-          </a:p>
-          <a:p>
-            <a:r>
-              <a:rPr lang="en-US" sz="1400" dirty="0" smtClean="0"/>
-              <a:t>    </a:t>
-            </a:r>
-            <a:r>
-              <a:rPr lang="en-US" sz="1400" dirty="0" err="1" smtClean="0"/>
-              <a:t>int</a:t>
-            </a:r>
-            <a:r>
-              <a:rPr lang="en-US" sz="1400" dirty="0" smtClean="0"/>
-              <a:t> y = </a:t>
+              <a:t>*</a:t>
+            </a:r>
+            <a:r>
+              <a:rPr lang="en-US" sz="1400" dirty="0" err="1" smtClean="0"/>
+              <a:t>pow</a:t>
+            </a:r>
+            <a:r>
+              <a:rPr lang="en-US" sz="1400" dirty="0" smtClean="0"/>
+              <a:t>(1.1,p);</a:t>
+            </a:r>
+          </a:p>
+          <a:p>
+            <a:r>
+              <a:rPr lang="en-US" sz="1400" dirty="0" smtClean="0"/>
+              <a:t>  float </a:t>
+            </a:r>
+            <a:r>
+              <a:rPr lang="en-US" sz="1400" dirty="0" err="1" smtClean="0"/>
+              <a:t>iHeight</a:t>
+            </a:r>
+            <a:r>
+              <a:rPr lang="en-US" sz="1400" dirty="0" smtClean="0"/>
+              <a:t> = </a:t>
             </a:r>
             <a:r>
               <a:rPr lang="en-US" sz="1400" dirty="0" err="1" smtClean="0"/>
@@ -3406,43 +3819,29 @@
             </a:r>
             <a:r>
               <a:rPr lang="en-US" sz="1400" dirty="0" smtClean="0"/>
-              <a:t>/30;</a:t>
-            </a:r>
-          </a:p>
-          <a:p>
-            <a:r>
-              <a:rPr lang="en-US" sz="1400" dirty="0" smtClean="0"/>
-              <a:t>    stroke(1);</a:t>
-            </a:r>
-          </a:p>
-          <a:p>
-            <a:r>
-              <a:rPr lang="en-US" sz="1400" dirty="0" smtClean="0"/>
-              <a:t>    for(</a:t>
-            </a:r>
-            <a:r>
-              <a:rPr lang="en-US" sz="1400" dirty="0" err="1" smtClean="0"/>
-              <a:t>int</a:t>
-            </a:r>
-            <a:r>
-              <a:rPr lang="en-US" sz="1400" dirty="0" smtClean="0"/>
-              <a:t> </a:t>
-            </a:r>
-            <a:r>
-              <a:rPr lang="en-US" sz="1400" dirty="0" err="1" smtClean="0"/>
-              <a:t>i</a:t>
-            </a:r>
-            <a:r>
-              <a:rPr lang="en-US" sz="1400" dirty="0" smtClean="0"/>
-              <a:t> = 0; </a:t>
-            </a:r>
-            <a:r>
-              <a:rPr lang="en-US" sz="1400" dirty="0" err="1" smtClean="0"/>
-              <a:t>i</a:t>
-            </a:r>
-            <a:r>
-              <a:rPr lang="en-US" sz="1400" dirty="0" smtClean="0"/>
-              <a:t> &lt; </a:t>
+              <a:t>*</a:t>
+            </a:r>
+            <a:r>
+              <a:rPr lang="en-US" sz="1400" dirty="0" err="1" smtClean="0"/>
+              <a:t>pow</a:t>
+            </a:r>
+            <a:r>
+              <a:rPr lang="en-US" sz="1400" dirty="0" smtClean="0"/>
+              <a:t>(1.1,p);</a:t>
+            </a:r>
+          </a:p>
+          <a:p>
+            <a:r>
+              <a:rPr lang="en-US" sz="1400" dirty="0" smtClean="0"/>
+              <a:t>  image(</a:t>
+            </a:r>
+            <a:r>
+              <a:rPr lang="en-US" sz="1400" dirty="0" err="1" smtClean="0"/>
+              <a:t>img</a:t>
+            </a:r>
+            <a:r>
+              <a:rPr lang="en-US" sz="1400" dirty="0" smtClean="0"/>
+              <a:t>, </a:t>
             </a:r>
             <a:r>
               <a:rPr lang="en-US" sz="1400" dirty="0" err="1" smtClean="0"/>
@@ -3450,85 +3849,51 @@
             </a:r>
             <a:r>
               <a:rPr lang="en-US" sz="1400" dirty="0" smtClean="0"/>
-              <a:t>; </a:t>
-            </a:r>
-            <a:r>
-              <a:rPr lang="en-US" sz="1400" dirty="0" err="1" smtClean="0"/>
-              <a:t>i</a:t>
-            </a:r>
-            <a:r>
-              <a:rPr lang="en-US" sz="1400" dirty="0" smtClean="0"/>
-              <a:t> += x){</a:t>
-            </a:r>
-          </a:p>
-          <a:p>
-            <a:r>
-              <a:rPr lang="en-US" sz="1400" dirty="0" smtClean="0"/>
-              <a:t>      for(</a:t>
-            </a:r>
-            <a:r>
-              <a:rPr lang="en-US" sz="1400" dirty="0" err="1" smtClean="0"/>
-              <a:t>int</a:t>
-            </a:r>
-            <a:r>
-              <a:rPr lang="en-US" sz="1400" dirty="0" smtClean="0"/>
-              <a:t> j = 0; j &lt; </a:t>
-            </a:r>
-            <a:r>
-              <a:rPr lang="en-US" sz="1400" dirty="0" err="1" smtClean="0"/>
-              <a:t>img.height</a:t>
-            </a:r>
-            <a:r>
-              <a:rPr lang="en-US" sz="1400" dirty="0" smtClean="0"/>
-              <a:t>; j += y){</a:t>
-            </a:r>
-          </a:p>
-          <a:p>
-            <a:r>
-              <a:rPr lang="en-US" sz="1400" dirty="0" smtClean="0"/>
-              <a:t>        fill(</a:t>
-            </a:r>
-            <a:r>
-              <a:rPr lang="en-US" sz="1400" dirty="0" err="1" smtClean="0"/>
-              <a:t>int</a:t>
-            </a:r>
-            <a:r>
-              <a:rPr lang="en-US" sz="1400" dirty="0" smtClean="0"/>
-              <a:t>(random(255)),</a:t>
-            </a:r>
-            <a:r>
-              <a:rPr lang="en-US" sz="1400" dirty="0" err="1" smtClean="0"/>
-              <a:t>int</a:t>
-            </a:r>
-            <a:r>
-              <a:rPr lang="en-US" sz="1400" dirty="0" smtClean="0"/>
-              <a:t>(random(255)),</a:t>
-            </a:r>
-            <a:r>
-              <a:rPr lang="en-US" sz="1400" dirty="0" err="1" smtClean="0"/>
-              <a:t>int</a:t>
-            </a:r>
-            <a:r>
-              <a:rPr lang="en-US" sz="1400" dirty="0" smtClean="0"/>
-              <a:t>(random(255)));</a:t>
-            </a:r>
-          </a:p>
-          <a:p>
-            <a:r>
-              <a:rPr lang="en-US" sz="1400" dirty="0" smtClean="0"/>
-              <a:t>        </a:t>
-            </a:r>
-            <a:r>
-              <a:rPr lang="en-US" sz="1400" dirty="0" err="1" smtClean="0"/>
-              <a:t>rect</a:t>
-            </a:r>
-            <a:r>
-              <a:rPr lang="en-US" sz="1400" dirty="0" smtClean="0"/>
-              <a:t>(</a:t>
-            </a:r>
-            <a:r>
-              <a:rPr lang="en-US" sz="1400" dirty="0" err="1" smtClean="0"/>
-              <a:t>i,j,x,y</a:t>
+              <a:t>, 0);</a:t>
+            </a:r>
+          </a:p>
+          <a:p>
+            <a:r>
+              <a:rPr lang="en-US" sz="1400" dirty="0" smtClean="0"/>
+              <a:t>  stroke(1);</a:t>
+            </a:r>
+          </a:p>
+          <a:p>
+            <a:r>
+              <a:rPr lang="en-US" sz="1400" dirty="0" smtClean="0"/>
+              <a:t>  fill(19,26,34); // black shoes</a:t>
+            </a:r>
+          </a:p>
+          <a:p>
+            <a:r>
+              <a:rPr lang="en-US" sz="1400" dirty="0" smtClean="0"/>
+              <a:t>  </a:t>
+            </a:r>
+            <a:r>
+              <a:rPr lang="en-US" sz="1400" dirty="0" err="1" smtClean="0"/>
+              <a:t>beginShape</a:t>
+            </a:r>
+            <a:r>
+              <a:rPr lang="en-US" sz="1400" dirty="0" smtClean="0"/>
+              <a:t>();</a:t>
+            </a:r>
+          </a:p>
+          <a:p>
+            <a:r>
+              <a:rPr lang="en-US" sz="1400" dirty="0" smtClean="0"/>
+              <a:t>  </a:t>
+            </a:r>
+            <a:r>
+              <a:rPr lang="en-US" sz="1400" dirty="0" err="1" smtClean="0"/>
+              <a:t>curveVertex</a:t>
+            </a:r>
+            <a:r>
+              <a:rPr lang="en-US" sz="1400" dirty="0" smtClean="0"/>
+              <a:t>(0.333333333*iWidth+q,0.864640884*</a:t>
+            </a:r>
+            <a:r>
+              <a:rPr lang="en-US" sz="1400" dirty="0" err="1" smtClean="0"/>
+              <a:t>iHeight</a:t>
             </a:r>
             <a:r>
               <a:rPr lang="en-US" sz="1400" dirty="0" smtClean="0"/>
@@ -3538,87 +3903,19 @@
           <a:p>
             <a:r>
               <a:rPr lang="en-US" sz="1400" dirty="0" smtClean="0"/>
-              <a:t>      }</a:t>
-            </a:r>
-          </a:p>
-          <a:p>
-            <a:r>
-              <a:rPr lang="en-US" sz="1400" dirty="0" smtClean="0"/>
-              <a:t>    }</a:t>
-            </a:r>
-          </a:p>
-          <a:p>
-            <a:r>
-              <a:rPr lang="en-US" sz="1400" dirty="0" smtClean="0"/>
-              <a:t>  } else if(</a:t>
-            </a:r>
-            <a:r>
-              <a:rPr lang="en-US" sz="1400" dirty="0" err="1" smtClean="0"/>
-              <a:t>mouseButton</a:t>
-            </a:r>
-            <a:r>
-              <a:rPr lang="en-US" sz="1400" dirty="0" smtClean="0"/>
-              <a:t> == RIGHT) {</a:t>
-            </a:r>
-          </a:p>
-          <a:p>
-            <a:r>
-              <a:rPr lang="en-US" sz="1400" dirty="0" smtClean="0"/>
-              <a:t>    save("final.jpg");</a:t>
-            </a:r>
-          </a:p>
-          <a:p>
-            <a:r>
-              <a:rPr lang="en-US" sz="1400" dirty="0" smtClean="0"/>
-              <a:t>  }</a:t>
-            </a:r>
-          </a:p>
-          <a:p>
-            <a:r>
-              <a:rPr lang="en-US" sz="1400" dirty="0" smtClean="0"/>
-              <a:t>}      fill(</a:t>
-            </a:r>
-            <a:r>
-              <a:rPr lang="en-US" sz="1400" dirty="0" err="1" smtClean="0"/>
-              <a:t>int</a:t>
-            </a:r>
-            <a:r>
-              <a:rPr lang="en-US" sz="1400" dirty="0" smtClean="0"/>
-              <a:t>(random(255)),</a:t>
-            </a:r>
-            <a:r>
-              <a:rPr lang="en-US" sz="1400" dirty="0" err="1" smtClean="0"/>
-              <a:t>int</a:t>
-            </a:r>
-            <a:r>
-              <a:rPr lang="en-US" sz="1400" dirty="0" smtClean="0"/>
-              <a:t>(random(255)),</a:t>
-            </a:r>
-            <a:r>
-              <a:rPr lang="en-US" sz="1400" dirty="0" err="1" smtClean="0"/>
-              <a:t>int</a:t>
-            </a:r>
-            <a:r>
-              <a:rPr lang="en-US" sz="1400" dirty="0" smtClean="0"/>
-              <a:t>(random(255)));</a:t>
-            </a:r>
-          </a:p>
-          <a:p>
-            <a:r>
-              <a:rPr lang="en-US" sz="1400" dirty="0" smtClean="0"/>
-              <a:t>      </a:t>
-            </a:r>
-            <a:r>
-              <a:rPr lang="en-US" sz="1400" dirty="0" err="1" smtClean="0"/>
-              <a:t>rect</a:t>
-            </a:r>
-            <a:r>
-              <a:rPr lang="en-US" sz="1400" dirty="0" smtClean="0"/>
-              <a:t>(</a:t>
-            </a:r>
-            <a:r>
-              <a:rPr lang="en-US" sz="1400" dirty="0" err="1" smtClean="0"/>
-              <a:t>i,j,x,y</a:t>
+              <a:t>  </a:t>
+            </a:r>
+            <a:r>
+              <a:rPr lang="en-US" sz="1400" dirty="0" err="1" smtClean="0"/>
+              <a:t>curveVertex</a:t>
+            </a:r>
+            <a:r>
+              <a:rPr lang="en-US" sz="1400" dirty="0" smtClean="0"/>
+              <a:t>(0.333333333*iWidth+q,0.864640884*</a:t>
+            </a:r>
+            <a:r>
+              <a:rPr lang="en-US" sz="1400" dirty="0" err="1" smtClean="0"/>
+              <a:t>iHeight</a:t>
             </a:r>
             <a:r>
               <a:rPr lang="en-US" sz="1400" dirty="0" smtClean="0"/>
@@ -3628,669 +3925,325 @@
           <a:p>
             <a:r>
               <a:rPr lang="en-US" sz="1400" dirty="0" smtClean="0"/>
-              <a:t>    }</a:t>
-            </a:r>
-          </a:p>
-          <a:p>
-            <a:r>
-              <a:rPr lang="en-US" sz="1400" dirty="0" smtClean="0"/>
-              <a:t>  }</a:t>
-            </a:r>
-          </a:p>
-          <a:p>
-            <a:r>
-              <a:rPr lang="en-US" sz="1400" dirty="0" smtClean="0"/>
-              <a:t>}</a:t>
-            </a:r>
-          </a:p>
-          <a:p>
+              <a:t>  </a:t>
+            </a:r>
+            <a:r>
+              <a:rPr lang="en-US" sz="1400" dirty="0" err="1" smtClean="0"/>
+              <a:t>curveVertex</a:t>
+            </a:r>
+            <a:r>
+              <a:rPr lang="en-US" sz="1400" dirty="0" smtClean="0"/>
+              <a:t>(0.345959596*iWidth+q,0.883977901*</a:t>
+            </a:r>
+            <a:r>
+              <a:rPr lang="en-US" sz="1400" dirty="0" err="1" smtClean="0"/>
+              <a:t>iHeight</a:t>
+            </a:r>
+            <a:r>
+              <a:rPr lang="en-US" sz="1400" dirty="0" smtClean="0"/>
+              <a:t>);</a:t>
+            </a:r>
+          </a:p>
+          <a:p>
+            <a:r>
+              <a:rPr lang="en-US" sz="1400" dirty="0" smtClean="0"/>
+              <a:t>  </a:t>
+            </a:r>
+            <a:r>
+              <a:rPr lang="en-US" sz="1400" dirty="0" err="1" smtClean="0"/>
+              <a:t>curveVertex</a:t>
+            </a:r>
+            <a:r>
+              <a:rPr lang="en-US" sz="1400" dirty="0" smtClean="0"/>
+              <a:t>(0.348484848*iWidth+q,0.904696133*</a:t>
+            </a:r>
+            <a:r>
+              <a:rPr lang="en-US" sz="1400" dirty="0" err="1" smtClean="0"/>
+              <a:t>iHeight</a:t>
+            </a:r>
+            <a:r>
+              <a:rPr lang="en-US" sz="1400" dirty="0" smtClean="0"/>
+              <a:t>);</a:t>
+            </a:r>
+          </a:p>
+          <a:p>
+            <a:r>
+              <a:rPr lang="en-US" sz="1400" dirty="0" smtClean="0"/>
+              <a:t>  </a:t>
+            </a:r>
+            <a:r>
+              <a:rPr lang="en-US" sz="1400" dirty="0" err="1" smtClean="0"/>
+              <a:t>curveVertex</a:t>
+            </a:r>
+            <a:r>
+              <a:rPr lang="en-US" sz="1400" dirty="0" smtClean="0"/>
+              <a:t>(0.356060606*iWidth+q,0.92679558*</a:t>
+            </a:r>
+            <a:r>
+              <a:rPr lang="en-US" sz="1400" dirty="0" err="1" smtClean="0"/>
+              <a:t>iHeight</a:t>
+            </a:r>
+            <a:r>
+              <a:rPr lang="en-US" sz="1400" dirty="0" smtClean="0"/>
+              <a:t>);</a:t>
+            </a:r>
+          </a:p>
+          <a:p>
+            <a:r>
+              <a:rPr lang="en-US" sz="1400" dirty="0" smtClean="0"/>
+              <a:t>  </a:t>
+            </a:r>
+            <a:r>
+              <a:rPr lang="en-US" sz="1400" dirty="0" err="1" smtClean="0"/>
+              <a:t>curveVertex</a:t>
+            </a:r>
+            <a:r>
+              <a:rPr lang="en-US" sz="1400" dirty="0" smtClean="0"/>
+              <a:t>(0.371212121*iWidth+q,0.933701657*</a:t>
+            </a:r>
+            <a:r>
+              <a:rPr lang="en-US" sz="1400" dirty="0" err="1" smtClean="0"/>
+              <a:t>iHeight</a:t>
+            </a:r>
+            <a:r>
+              <a:rPr lang="en-US" sz="1400" dirty="0" smtClean="0"/>
+              <a:t>);</a:t>
+            </a:r>
+          </a:p>
+          <a:p>
+            <a:r>
+              <a:rPr lang="en-US" sz="1400" dirty="0" smtClean="0"/>
+              <a:t>  </a:t>
+            </a:r>
+            <a:r>
+              <a:rPr lang="en-US" sz="1400" dirty="0" err="1" smtClean="0"/>
+              <a:t>curveVertex</a:t>
+            </a:r>
+            <a:r>
+              <a:rPr lang="en-US" sz="1400" dirty="0" smtClean="0"/>
+              <a:t>(0.404040404*iWidth+q,0.935082873*</a:t>
+            </a:r>
+            <a:r>
+              <a:rPr lang="en-US" sz="1400" dirty="0" err="1" smtClean="0"/>
+              <a:t>iHeight</a:t>
+            </a:r>
+            <a:r>
+              <a:rPr lang="en-US" sz="1400" dirty="0" smtClean="0"/>
+              <a:t>);</a:t>
+            </a:r>
+          </a:p>
+          <a:p>
+            <a:r>
+              <a:rPr lang="en-US" sz="1400" dirty="0" smtClean="0"/>
+              <a:t>  </a:t>
+            </a:r>
+            <a:r>
+              <a:rPr lang="en-US" sz="1400" dirty="0" err="1" smtClean="0"/>
+              <a:t>curveVertex</a:t>
+            </a:r>
+            <a:r>
+              <a:rPr lang="en-US" sz="1400" dirty="0" smtClean="0"/>
+              <a:t>(0.421717172*iWidth+q,0.932320442*</a:t>
+            </a:r>
+            <a:r>
+              <a:rPr lang="en-US" sz="1400" dirty="0" err="1" smtClean="0"/>
+              <a:t>iHeight</a:t>
+            </a:r>
+            <a:r>
+              <a:rPr lang="en-US" sz="1400" dirty="0" smtClean="0"/>
+              <a:t>);</a:t>
+            </a:r>
+          </a:p>
+          <a:p>
+            <a:r>
+              <a:rPr lang="en-US" sz="1400" dirty="0" smtClean="0"/>
+              <a:t>  </a:t>
+            </a:r>
+            <a:r>
+              <a:rPr lang="en-US" sz="1400" dirty="0" err="1" smtClean="0"/>
+              <a:t>curveVertex</a:t>
+            </a:r>
+            <a:r>
+              <a:rPr lang="en-US" sz="1400" dirty="0" smtClean="0"/>
+              <a:t>(0.444444444*iWidth+q,0.924033149*</a:t>
+            </a:r>
+            <a:r>
+              <a:rPr lang="en-US" sz="1400" dirty="0" err="1" smtClean="0"/>
+              <a:t>iHeight</a:t>
+            </a:r>
+            <a:r>
+              <a:rPr lang="en-US" sz="1400" dirty="0" smtClean="0"/>
+              <a:t>);</a:t>
+            </a:r>
+          </a:p>
+          <a:p>
+            <a:r>
+              <a:rPr lang="en-US" sz="1400" dirty="0" smtClean="0"/>
+              <a:t>  </a:t>
+            </a:r>
+            <a:r>
+              <a:rPr lang="en-US" sz="1400" dirty="0" err="1" smtClean="0"/>
+              <a:t>curveVertex</a:t>
+            </a:r>
+            <a:r>
+              <a:rPr lang="en-US" sz="1400" dirty="0" smtClean="0"/>
+              <a:t>(0.446969697*iWidth+q,0.910220994*</a:t>
+            </a:r>
+            <a:r>
+              <a:rPr lang="en-US" sz="1400" dirty="0" err="1" smtClean="0"/>
+              <a:t>iHeight</a:t>
+            </a:r>
+            <a:r>
+              <a:rPr lang="en-US" sz="1400" dirty="0" smtClean="0"/>
+              <a:t>);</a:t>
+            </a:r>
+          </a:p>
+          <a:p>
+            <a:r>
+              <a:rPr lang="en-US" sz="1400" dirty="0" smtClean="0"/>
+              <a:t>  </a:t>
+            </a:r>
+            <a:r>
+              <a:rPr lang="en-US" sz="1400" dirty="0" err="1" smtClean="0"/>
+              <a:t>curveVertex</a:t>
+            </a:r>
+            <a:r>
+              <a:rPr lang="en-US" sz="1400" dirty="0" smtClean="0"/>
+              <a:t>(0.449494949*iWidth+q,0.901933702*</a:t>
+            </a:r>
+            <a:r>
+              <a:rPr lang="en-US" sz="1400" dirty="0" err="1" smtClean="0"/>
+              <a:t>iHeight</a:t>
+            </a:r>
+            <a:r>
+              <a:rPr lang="en-US" sz="1400" dirty="0" smtClean="0"/>
+              <a:t>);</a:t>
+            </a:r>
+          </a:p>
+          <a:p>
+            <a:r>
+              <a:rPr lang="en-US" sz="1400" dirty="0" smtClean="0"/>
+              <a:t>  </a:t>
+            </a:r>
+            <a:r>
+              <a:rPr lang="en-US" sz="1400" dirty="0" err="1" smtClean="0"/>
+              <a:t>curveVertex</a:t>
+            </a:r>
+            <a:r>
+              <a:rPr lang="en-US" sz="1400" dirty="0" smtClean="0"/>
+              <a:t>(0.441919192*iWidth+q,0.890883978*</a:t>
+            </a:r>
+            <a:r>
+              <a:rPr lang="en-US" sz="1400" dirty="0" err="1" smtClean="0"/>
+              <a:t>iHeight</a:t>
+            </a:r>
+            <a:r>
+              <a:rPr lang="en-US" sz="1400" dirty="0" smtClean="0"/>
+              <a:t>);</a:t>
+            </a:r>
+          </a:p>
+          <a:p>
+            <a:r>
+              <a:rPr lang="en-US" sz="1400" dirty="0" smtClean="0"/>
+              <a:t>  </a:t>
+            </a:r>
+            <a:r>
+              <a:rPr lang="en-US" sz="1400" dirty="0" err="1" smtClean="0"/>
+              <a:t>curveVertex</a:t>
+            </a:r>
+            <a:r>
+              <a:rPr lang="en-US" sz="1400" dirty="0" smtClean="0"/>
+              <a:t>(0.434343434*iWidth+q,0.88121547*</a:t>
+            </a:r>
+            <a:r>
+              <a:rPr lang="en-US" sz="1400" dirty="0" err="1" smtClean="0"/>
+              <a:t>iHeight</a:t>
+            </a:r>
+            <a:r>
+              <a:rPr lang="en-US" sz="1400" dirty="0" smtClean="0"/>
+              <a:t>);</a:t>
+            </a:r>
+          </a:p>
+          <a:p>
+            <a:r>
+              <a:rPr lang="en-US" sz="1400" dirty="0" smtClean="0"/>
+              <a:t>  </a:t>
+            </a:r>
+            <a:r>
+              <a:rPr lang="en-US" sz="1400" dirty="0" err="1" smtClean="0"/>
+              <a:t>curveVertex</a:t>
+            </a:r>
+            <a:r>
+              <a:rPr lang="en-US" sz="1400" dirty="0" smtClean="0"/>
+              <a:t>(0.426767677*iWidth+q,0.870165746*</a:t>
+            </a:r>
+            <a:r>
+              <a:rPr lang="en-US" sz="1400" dirty="0" err="1" smtClean="0"/>
+              <a:t>iHeight</a:t>
+            </a:r>
+            <a:r>
+              <a:rPr lang="en-US" sz="1400" dirty="0" smtClean="0"/>
+              <a:t>);</a:t>
+            </a:r>
+          </a:p>
+          <a:p>
+            <a:r>
+              <a:rPr lang="en-US" sz="1400" dirty="0" smtClean="0"/>
+              <a:t>  </a:t>
+            </a:r>
+            <a:r>
+              <a:rPr lang="en-US" sz="1400" dirty="0" err="1" smtClean="0"/>
+              <a:t>curveVertex</a:t>
+            </a:r>
+            <a:r>
+              <a:rPr lang="en-US" sz="1400" dirty="0" smtClean="0"/>
+              <a:t>(0.419191919*iWidth+q,0.860497238*</a:t>
+            </a:r>
+            <a:r>
+              <a:rPr lang="en-US" sz="1400" dirty="0" err="1" smtClean="0"/>
+              <a:t>iHeight</a:t>
+            </a:r>
+            <a:r>
+              <a:rPr lang="en-US" sz="1400" dirty="0" smtClean="0"/>
+              <a:t>);</a:t>
+            </a:r>
+          </a:p>
+          <a:p>
+            <a:r>
+              <a:rPr lang="en-US" sz="1400" dirty="0" smtClean="0"/>
+              <a:t>  </a:t>
+            </a:r>
+            <a:r>
+              <a:rPr lang="en-US" sz="1400" dirty="0" err="1" smtClean="0"/>
+              <a:t>curveVertex</a:t>
+            </a:r>
+            <a:r>
+              <a:rPr lang="en-US" sz="1400" dirty="0" smtClean="0"/>
+              <a:t>(0.419191919*iWidth+q,0.860497238*</a:t>
+            </a:r>
+            <a:r>
+              <a:rPr lang="en-US" sz="1400" dirty="0" err="1" smtClean="0"/>
+              <a:t>iHeight</a:t>
+            </a:r>
+            <a:r>
+              <a:rPr lang="en-US" sz="1400" dirty="0" smtClean="0"/>
+              <a:t>);</a:t>
+            </a:r>
+          </a:p>
+          <a:p>
+            <a:r>
+              <a:rPr lang="en-US" sz="1400" dirty="0" smtClean="0"/>
+              <a:t>  </a:t>
+            </a:r>
+            <a:r>
+              <a:rPr lang="en-US" sz="1400" dirty="0" err="1" smtClean="0"/>
+              <a:t>endShape</a:t>
+            </a:r>
+            <a:r>
+              <a:rPr lang="en-US" sz="1400" dirty="0" smtClean="0"/>
+              <a:t>(CLOSE);</a:t>
+            </a:r>
             <a:endParaRPr lang="en-US" sz="1400" dirty="0" smtClean="0"/>
-          </a:p>
-          <a:p>
-            <a:r>
-              <a:rPr lang="en-US" sz="1400" dirty="0" smtClean="0"/>
-              <a:t>void draw() {</a:t>
-            </a:r>
-          </a:p>
-          <a:p>
-            <a:r>
-              <a:rPr lang="en-US" sz="1400" dirty="0" smtClean="0"/>
-              <a:t>  image(</a:t>
-            </a:r>
-            <a:r>
-              <a:rPr lang="en-US" sz="1400" dirty="0" err="1" smtClean="0"/>
-              <a:t>img</a:t>
-            </a:r>
-            <a:r>
-              <a:rPr lang="en-US" sz="1400" dirty="0" smtClean="0"/>
-              <a:t>, </a:t>
-            </a:r>
-            <a:r>
-              <a:rPr lang="en-US" sz="1400" dirty="0" err="1" smtClean="0"/>
-              <a:t>img.width</a:t>
-            </a:r>
-            <a:r>
-              <a:rPr lang="en-US" sz="1400" dirty="0" smtClean="0"/>
-              <a:t>, 0);</a:t>
-            </a:r>
-          </a:p>
-          <a:p>
-            <a:r>
-              <a:rPr lang="en-US" sz="1400" dirty="0" smtClean="0"/>
-              <a:t>  stroke(1);</a:t>
-            </a:r>
-          </a:p>
-          <a:p>
-            <a:r>
-              <a:rPr lang="en-US" sz="1400" dirty="0" smtClean="0"/>
-              <a:t>  fill(19,26,34); // black shoes</a:t>
-            </a:r>
-          </a:p>
-          <a:p>
-            <a:r>
-              <a:rPr lang="en-US" sz="1400" dirty="0" smtClean="0"/>
-              <a:t>  </a:t>
-            </a:r>
-            <a:r>
-              <a:rPr lang="en-US" sz="1400" dirty="0" err="1" smtClean="0"/>
-              <a:t>beginShape</a:t>
-            </a:r>
-            <a:r>
-              <a:rPr lang="en-US" sz="1400" dirty="0" smtClean="0"/>
-              <a:t>();</a:t>
-            </a:r>
-          </a:p>
-          <a:p>
-            <a:r>
-              <a:rPr lang="en-US" sz="1400" dirty="0" smtClean="0"/>
-              <a:t>  </a:t>
-            </a:r>
-            <a:r>
-              <a:rPr lang="en-US" sz="1400" dirty="0" err="1" smtClean="0"/>
-              <a:t>curveVertex</a:t>
-            </a:r>
-            <a:r>
-              <a:rPr lang="en-US" sz="1400" dirty="0" smtClean="0"/>
-              <a:t>(132, 626);</a:t>
-            </a:r>
-          </a:p>
-          <a:p>
-            <a:r>
-              <a:rPr lang="en-US" sz="1400" dirty="0" smtClean="0"/>
-              <a:t>  </a:t>
-            </a:r>
-            <a:r>
-              <a:rPr lang="en-US" sz="1400" dirty="0" err="1" smtClean="0"/>
-              <a:t>curveVertex</a:t>
-            </a:r>
-            <a:r>
-              <a:rPr lang="en-US" sz="1400" dirty="0" smtClean="0"/>
-              <a:t>(132, 626);</a:t>
-            </a:r>
-          </a:p>
-          <a:p>
-            <a:r>
-              <a:rPr lang="en-US" sz="1400" dirty="0" smtClean="0"/>
-              <a:t>  </a:t>
-            </a:r>
-            <a:r>
-              <a:rPr lang="en-US" sz="1400" dirty="0" err="1" smtClean="0"/>
-              <a:t>curveVertex</a:t>
-            </a:r>
-            <a:r>
-              <a:rPr lang="en-US" sz="1400" dirty="0" smtClean="0"/>
-              <a:t>(137, 640);</a:t>
-            </a:r>
-          </a:p>
-          <a:p>
-            <a:r>
-              <a:rPr lang="en-US" sz="1400" dirty="0" smtClean="0"/>
-              <a:t>  </a:t>
-            </a:r>
-            <a:r>
-              <a:rPr lang="en-US" sz="1400" dirty="0" err="1" smtClean="0"/>
-              <a:t>curveVertex</a:t>
-            </a:r>
-            <a:r>
-              <a:rPr lang="en-US" sz="1400" dirty="0" smtClean="0"/>
-              <a:t>(138, 655);</a:t>
-            </a:r>
-          </a:p>
-          <a:p>
-            <a:r>
-              <a:rPr lang="en-US" sz="1400" dirty="0" smtClean="0"/>
-              <a:t>  </a:t>
-            </a:r>
-            <a:r>
-              <a:rPr lang="en-US" sz="1400" dirty="0" err="1" smtClean="0"/>
-              <a:t>curveVertex</a:t>
-            </a:r>
-            <a:r>
-              <a:rPr lang="en-US" sz="1400" dirty="0" smtClean="0"/>
-              <a:t>(141, 671);</a:t>
-            </a:r>
-          </a:p>
-          <a:p>
-            <a:r>
-              <a:rPr lang="en-US" sz="1400" dirty="0" smtClean="0"/>
-              <a:t>  </a:t>
-            </a:r>
-            <a:r>
-              <a:rPr lang="en-US" sz="1400" dirty="0" err="1" smtClean="0"/>
-              <a:t>curveVertex</a:t>
-            </a:r>
-            <a:r>
-              <a:rPr lang="en-US" sz="1400" dirty="0" smtClean="0"/>
-              <a:t>(147, 676);</a:t>
-            </a:r>
-          </a:p>
-          <a:p>
-            <a:r>
-              <a:rPr lang="en-US" sz="1400" dirty="0" smtClean="0"/>
-              <a:t>  </a:t>
-            </a:r>
-            <a:r>
-              <a:rPr lang="en-US" sz="1400" dirty="0" err="1" smtClean="0"/>
-              <a:t>curveVertex</a:t>
-            </a:r>
-            <a:r>
-              <a:rPr lang="en-US" sz="1400" dirty="0" smtClean="0"/>
-              <a:t>(160, 677);</a:t>
-            </a:r>
-          </a:p>
-          <a:p>
-            <a:r>
-              <a:rPr lang="en-US" sz="1400" dirty="0" smtClean="0"/>
-              <a:t>  </a:t>
-            </a:r>
-            <a:r>
-              <a:rPr lang="en-US" sz="1400" dirty="0" err="1" smtClean="0"/>
-              <a:t>curveVertex</a:t>
-            </a:r>
-            <a:r>
-              <a:rPr lang="en-US" sz="1400" dirty="0" smtClean="0"/>
-              <a:t>(167, 675);</a:t>
-            </a:r>
-          </a:p>
-          <a:p>
-            <a:r>
-              <a:rPr lang="en-US" sz="1400" dirty="0" smtClean="0"/>
-              <a:t>  </a:t>
-            </a:r>
-            <a:r>
-              <a:rPr lang="en-US" sz="1400" dirty="0" err="1" smtClean="0"/>
-              <a:t>curveVertex</a:t>
-            </a:r>
-            <a:r>
-              <a:rPr lang="en-US" sz="1400" dirty="0" smtClean="0"/>
-              <a:t>(176, 669);</a:t>
-            </a:r>
-          </a:p>
-          <a:p>
-            <a:r>
-              <a:rPr lang="en-US" sz="1400" dirty="0" smtClean="0"/>
-              <a:t>  </a:t>
-            </a:r>
-            <a:r>
-              <a:rPr lang="en-US" sz="1400" dirty="0" err="1" smtClean="0"/>
-              <a:t>curveVertex</a:t>
-            </a:r>
-            <a:r>
-              <a:rPr lang="en-US" sz="1400" dirty="0" smtClean="0"/>
-              <a:t>(177, 659);</a:t>
-            </a:r>
-          </a:p>
-          <a:p>
-            <a:r>
-              <a:rPr lang="en-US" sz="1400" dirty="0" smtClean="0"/>
-              <a:t>  </a:t>
-            </a:r>
-            <a:r>
-              <a:rPr lang="en-US" sz="1400" dirty="0" err="1" smtClean="0"/>
-              <a:t>curveVertex</a:t>
-            </a:r>
-            <a:r>
-              <a:rPr lang="en-US" sz="1400" dirty="0" smtClean="0"/>
-              <a:t>(178, 653);</a:t>
-            </a:r>
-          </a:p>
-          <a:p>
-            <a:r>
-              <a:rPr lang="en-US" sz="1400" dirty="0" smtClean="0"/>
-              <a:t>  </a:t>
-            </a:r>
-            <a:r>
-              <a:rPr lang="en-US" sz="1400" dirty="0" err="1" smtClean="0"/>
-              <a:t>curveVertex</a:t>
-            </a:r>
-            <a:r>
-              <a:rPr lang="en-US" sz="1400" dirty="0" smtClean="0"/>
-              <a:t>(175, 645);</a:t>
-            </a:r>
-          </a:p>
-          <a:p>
-            <a:r>
-              <a:rPr lang="en-US" sz="1400" dirty="0" smtClean="0"/>
-              <a:t>  </a:t>
-            </a:r>
-            <a:r>
-              <a:rPr lang="en-US" sz="1400" dirty="0" err="1" smtClean="0"/>
-              <a:t>curveVertex</a:t>
-            </a:r>
-            <a:r>
-              <a:rPr lang="en-US" sz="1400" dirty="0" smtClean="0"/>
-              <a:t>(172, 638);</a:t>
-            </a:r>
-          </a:p>
-          <a:p>
-            <a:r>
-              <a:rPr lang="en-US" sz="1400" dirty="0" smtClean="0"/>
-              <a:t>  </a:t>
-            </a:r>
-            <a:r>
-              <a:rPr lang="en-US" sz="1400" dirty="0" err="1" smtClean="0"/>
-              <a:t>curveVertex</a:t>
-            </a:r>
-            <a:r>
-              <a:rPr lang="en-US" sz="1400" dirty="0" smtClean="0"/>
-              <a:t>(169, 630);</a:t>
-            </a:r>
-          </a:p>
-          <a:p>
-            <a:r>
-              <a:rPr lang="en-US" sz="1400" dirty="0" smtClean="0"/>
-              <a:t>  </a:t>
-            </a:r>
-            <a:r>
-              <a:rPr lang="en-US" sz="1400" dirty="0" err="1" smtClean="0"/>
-              <a:t>curveVertex</a:t>
-            </a:r>
-            <a:r>
-              <a:rPr lang="en-US" sz="1400" dirty="0" smtClean="0"/>
-              <a:t>(166, 623);</a:t>
-            </a:r>
-          </a:p>
-          <a:p>
-            <a:r>
-              <a:rPr lang="en-US" sz="1400" dirty="0" smtClean="0"/>
-              <a:t>  </a:t>
-            </a:r>
-            <a:r>
-              <a:rPr lang="en-US" sz="1400" dirty="0" err="1" smtClean="0"/>
-              <a:t>curveVertex</a:t>
-            </a:r>
-            <a:r>
-              <a:rPr lang="en-US" sz="1400" dirty="0" smtClean="0"/>
-              <a:t>(166, 623);</a:t>
-            </a:r>
-          </a:p>
-          <a:p>
-            <a:r>
-              <a:rPr lang="en-US" sz="1400" dirty="0" smtClean="0"/>
-              <a:t>  </a:t>
-            </a:r>
-            <a:r>
-              <a:rPr lang="en-US" sz="1400" dirty="0" err="1" smtClean="0"/>
-              <a:t>endShape</a:t>
-            </a:r>
-            <a:r>
-              <a:rPr lang="en-US" sz="1400" dirty="0" smtClean="0"/>
-              <a:t>();</a:t>
-            </a:r>
-          </a:p>
-          <a:p>
-            <a:endParaRPr lang="en-US" sz="1400" dirty="0"/>
-          </a:p>
-          <a:p>
-            <a:r>
-              <a:rPr lang="en-US" sz="1400" dirty="0" smtClean="0"/>
-              <a:t>…</a:t>
-            </a:r>
-          </a:p>
-          <a:p>
-            <a:endParaRPr lang="en-US" sz="1400" dirty="0"/>
-          </a:p>
-          <a:p>
-            <a:r>
-              <a:rPr lang="en-US" sz="1400" dirty="0" smtClean="0"/>
-              <a:t>stroke(174,109,71); // bear light outline</a:t>
-            </a:r>
-          </a:p>
-          <a:p>
-            <a:r>
-              <a:rPr lang="en-US" sz="1400" dirty="0" smtClean="0"/>
-              <a:t>  line(243,143,240,81);</a:t>
-            </a:r>
-          </a:p>
-          <a:p>
-            <a:r>
-              <a:rPr lang="en-US" sz="1400" dirty="0" smtClean="0"/>
-              <a:t>  line(236,82,232,143);</a:t>
-            </a:r>
-          </a:p>
-          <a:p>
-            <a:r>
-              <a:rPr lang="en-US" sz="1400" dirty="0" smtClean="0"/>
-              <a:t>  line(220,132,229,87);</a:t>
-            </a:r>
-          </a:p>
-          <a:p>
-            <a:r>
-              <a:rPr lang="en-US" sz="1400" dirty="0" smtClean="0"/>
-              <a:t>  line(214,87,214,120);</a:t>
-            </a:r>
-          </a:p>
-          <a:p>
-            <a:r>
-              <a:rPr lang="en-US" sz="1400" dirty="0" smtClean="0"/>
-              <a:t>  line(206,93,200,133);</a:t>
-            </a:r>
-          </a:p>
-          <a:p>
-            <a:r>
-              <a:rPr lang="en-US" sz="1400" dirty="0" smtClean="0"/>
-              <a:t>  line(321,85,319,123);</a:t>
-            </a:r>
-          </a:p>
-          <a:p>
-            <a:r>
-              <a:rPr lang="en-US" sz="1400" dirty="0" smtClean="0"/>
-              <a:t>line(267,164,273,186);</a:t>
-            </a:r>
-          </a:p>
-          <a:p>
-            <a:r>
-              <a:rPr lang="en-US" sz="1400" dirty="0" smtClean="0"/>
-              <a:t>  line(284,161,283,186);</a:t>
-            </a:r>
-          </a:p>
-          <a:p>
-            <a:r>
-              <a:rPr lang="en-US" sz="1400" dirty="0" smtClean="0"/>
-              <a:t>  line(298,167,290,189);</a:t>
-            </a:r>
-          </a:p>
-          <a:p>
-            <a:r>
-              <a:rPr lang="en-US" sz="1400" dirty="0" smtClean="0"/>
-              <a:t>  line(319,167,299,181);</a:t>
-            </a:r>
-          </a:p>
-          <a:p>
-            <a:r>
-              <a:rPr lang="en-US" sz="1400" dirty="0" smtClean="0"/>
-              <a:t>  line(324,165,317,191);</a:t>
-            </a:r>
-          </a:p>
-          <a:p>
-            <a:r>
-              <a:rPr lang="en-US" sz="1400" dirty="0" smtClean="0"/>
-              <a:t>  line(332,168,316,188);</a:t>
-            </a:r>
-          </a:p>
-          <a:p>
-            <a:r>
-              <a:rPr lang="en-US" sz="1400" dirty="0" smtClean="0"/>
-              <a:t>  line(324,135,323,153);</a:t>
-            </a:r>
-          </a:p>
-          <a:p>
-            <a:r>
-              <a:rPr lang="en-US" sz="1400" dirty="0" smtClean="0"/>
-              <a:t>  line(212,150,233,158);</a:t>
-            </a:r>
-          </a:p>
-          <a:p>
-            <a:r>
-              <a:rPr lang="en-US" sz="1400" dirty="0" smtClean="0"/>
-              <a:t>  line(246,196,265,216);</a:t>
-            </a:r>
-          </a:p>
-          <a:p>
-            <a:r>
-              <a:rPr lang="en-US" sz="1400" dirty="0" smtClean="0"/>
-              <a:t>  line(263,195,278,215);</a:t>
-            </a:r>
-          </a:p>
-          <a:p>
-            <a:r>
-              <a:rPr lang="en-US" sz="1400" dirty="0" smtClean="0"/>
-              <a:t>  line(294,195,286,211);</a:t>
-            </a:r>
-          </a:p>
-          <a:p>
-            <a:r>
-              <a:rPr lang="en-US" sz="1400" dirty="0" smtClean="0"/>
-              <a:t>  line(311,198,292,217);</a:t>
-            </a:r>
-          </a:p>
-          <a:p>
-            <a:r>
-              <a:rPr lang="en-US" sz="1400" dirty="0" smtClean="0"/>
-              <a:t>  line(290,220,279,239);</a:t>
-            </a:r>
-          </a:p>
-          <a:p>
-            <a:r>
-              <a:rPr lang="en-US" sz="1400" dirty="0" smtClean="0"/>
-              <a:t>  line(248,211,258,231);</a:t>
-            </a:r>
-          </a:p>
-          <a:p>
-            <a:r>
-              <a:rPr lang="en-US" sz="1400" dirty="0" smtClean="0"/>
-              <a:t>  line(259,238,273,250);</a:t>
-            </a:r>
-          </a:p>
-          <a:p>
-            <a:r>
-              <a:rPr lang="en-US" sz="1400" dirty="0" smtClean="0"/>
-              <a:t>  line(273,259,285,243);</a:t>
-            </a:r>
-          </a:p>
-          <a:p>
-            <a:r>
-              <a:rPr lang="en-US" sz="1400" dirty="0" smtClean="0"/>
-              <a:t>  line(338,181,336,229);</a:t>
-            </a:r>
-          </a:p>
-          <a:p>
-            <a:r>
-              <a:rPr lang="en-US" sz="1400" dirty="0" smtClean="0"/>
-              <a:t>  line(326,196,322,234);</a:t>
-            </a:r>
-          </a:p>
-          <a:p>
-            <a:r>
-              <a:rPr lang="en-US" sz="1400" dirty="0" smtClean="0"/>
-              <a:t>  line(312,218,303,251);</a:t>
-            </a:r>
-          </a:p>
-          <a:p>
-            <a:r>
-              <a:rPr lang="en-US" sz="1400" dirty="0" smtClean="0"/>
-              <a:t>  line(295,254,294,278);</a:t>
-            </a:r>
-          </a:p>
-          <a:p>
-            <a:r>
-              <a:rPr lang="en-US" sz="1400" dirty="0" smtClean="0"/>
-              <a:t>  line(280,269,268,293);</a:t>
-            </a:r>
-          </a:p>
-          <a:p>
-            <a:r>
-              <a:rPr lang="en-US" sz="1400" dirty="0" smtClean="0"/>
-              <a:t>line(311,434,310,472);</a:t>
-            </a:r>
-          </a:p>
-          <a:p>
-            <a:r>
-              <a:rPr lang="en-US" sz="1400" dirty="0" smtClean="0"/>
-              <a:t>  line(323,431,324,495);</a:t>
-            </a:r>
-          </a:p>
-          <a:p>
-            <a:r>
-              <a:rPr lang="en-US" sz="1400" dirty="0" smtClean="0"/>
-              <a:t>  line(346,441,342,491);</a:t>
-            </a:r>
-          </a:p>
-          <a:p>
-            <a:r>
-              <a:rPr lang="en-US" sz="1400" dirty="0" smtClean="0"/>
-              <a:t>  line(334,447,325,504);</a:t>
-            </a:r>
-          </a:p>
-          <a:p>
-            <a:r>
-              <a:rPr lang="en-US" sz="1400" dirty="0" smtClean="0"/>
-              <a:t>  line(345,499,350,534);</a:t>
-            </a:r>
-          </a:p>
-          <a:p>
-            <a:r>
-              <a:rPr lang="en-US" sz="1400" dirty="0" smtClean="0"/>
-              <a:t>  line(329,510,340,540);</a:t>
-            </a:r>
-          </a:p>
-          <a:p>
-            <a:r>
-              <a:rPr lang="en-US" sz="1400" dirty="0" smtClean="0"/>
-              <a:t>  line(365,497,356,540);</a:t>
-            </a:r>
-          </a:p>
-          <a:p>
-            <a:r>
-              <a:rPr lang="en-US" sz="1400" dirty="0" smtClean="0"/>
-              <a:t>  line(348,556,316,567);</a:t>
-            </a:r>
-          </a:p>
-          <a:p>
-            <a:r>
-              <a:rPr lang="en-US" sz="1400" dirty="0" smtClean="0"/>
-              <a:t>  line(308,537,318,565);</a:t>
-            </a:r>
-          </a:p>
-          <a:p>
-            <a:r>
-              <a:rPr lang="en-US" sz="1400" dirty="0" smtClean="0"/>
-              <a:t>  line(327,545,338,569);</a:t>
-            </a:r>
-          </a:p>
-          <a:p>
-            <a:r>
-              <a:rPr lang="en-US" sz="1400" dirty="0" smtClean="0"/>
-              <a:t>  line(353,556,365,580);</a:t>
-            </a:r>
-          </a:p>
-          <a:p>
-            <a:r>
-              <a:rPr lang="en-US" sz="1400" dirty="0" smtClean="0"/>
-              <a:t>  line(199,439,194,495);</a:t>
-            </a:r>
-          </a:p>
-          <a:p>
-            <a:r>
-              <a:rPr lang="en-US" sz="1400" dirty="0" smtClean="0"/>
-              <a:t>  line(212,450,208,504);</a:t>
-            </a:r>
-          </a:p>
-          <a:p>
-            <a:r>
-              <a:rPr lang="en-US" sz="1400" dirty="0" smtClean="0"/>
-              <a:t>  line(224,451,222,508);</a:t>
-            </a:r>
-          </a:p>
-          <a:p>
-            <a:r>
-              <a:rPr lang="en-US" sz="1400" dirty="0" smtClean="0"/>
-              <a:t>  line(233,452,233,520);</a:t>
-            </a:r>
-          </a:p>
-          <a:p>
-            <a:r>
-              <a:rPr lang="en-US" sz="1400" dirty="0" smtClean="0"/>
-              <a:t>  line(197,517,215,543);</a:t>
-            </a:r>
-          </a:p>
-          <a:p>
-            <a:r>
-              <a:rPr lang="en-US" sz="1400" dirty="0" smtClean="0"/>
-              <a:t>  line(210,505,225,542);</a:t>
-            </a:r>
-          </a:p>
-          <a:p>
-            <a:r>
-              <a:rPr lang="en-US" sz="1400" dirty="0" smtClean="0"/>
-              <a:t>  line(235,520,241,551);</a:t>
-            </a:r>
-          </a:p>
-          <a:p>
-            <a:r>
-              <a:rPr lang="en-US" sz="1400" dirty="0" smtClean="0"/>
-              <a:t>  line(203,546,217,565);</a:t>
-            </a:r>
-          </a:p>
-          <a:p>
-            <a:r>
-              <a:rPr lang="en-US" sz="1400" dirty="0" smtClean="0"/>
-              <a:t>  line(225,550,235,568);</a:t>
-            </a:r>
-          </a:p>
-          <a:p>
-            <a:r>
-              <a:rPr lang="en-US" sz="1400" dirty="0" smtClean="0"/>
-              <a:t>  line(239,553,240,567);</a:t>
-            </a:r>
-          </a:p>
-          <a:p>
-            <a:r>
-              <a:rPr lang="en-US" sz="1400" dirty="0" smtClean="0"/>
-              <a:t>  line(196,557,209,577);</a:t>
-            </a:r>
-          </a:p>
-          <a:p>
-            <a:r>
-              <a:rPr lang="en-US" sz="1400" dirty="0" smtClean="0"/>
-              <a:t>  line(195,513,195,538);</a:t>
-            </a:r>
-          </a:p>
-          <a:p>
-            <a:r>
-              <a:rPr lang="en-US" sz="1400" dirty="0" smtClean="0"/>
-              <a:t>  line(191,438,185,479);</a:t>
-            </a:r>
-          </a:p>
-          <a:p>
-            <a:r>
-              <a:rPr lang="en-US" sz="1400" dirty="0" smtClean="0"/>
-              <a:t>  line(345,376,363,380);</a:t>
-            </a:r>
-          </a:p>
-          <a:p>
-            <a:r>
-              <a:rPr lang="en-US" sz="1400" dirty="0" smtClean="0"/>
-              <a:t>  line(359,361,366,385);</a:t>
-            </a:r>
-          </a:p>
-          <a:p>
-            <a:r>
-              <a:rPr lang="en-US" sz="1400" dirty="0" smtClean="0"/>
-              <a:t>  line(319,74,335,83);</a:t>
-            </a:r>
-          </a:p>
-          <a:p>
-            <a:r>
-              <a:rPr lang="en-US" sz="1400" dirty="0" smtClean="0"/>
-              <a:t>  line(224,77,239,78);</a:t>
-            </a:r>
-          </a:p>
-          <a:p>
-            <a:r>
-              <a:rPr lang="en-US" sz="1400" dirty="0" smtClean="0"/>
-              <a:t>}</a:t>
-            </a:r>
           </a:p>
         </p:txBody>
       </p:sp>
@@ -4367,7 +4320,7 @@
         </p:spPr>
         <p:txBody>
           <a:bodyPr numCol="2">
-            <a:normAutofit fontScale="55000" lnSpcReduction="20000"/>
+            <a:normAutofit fontScale="47500" lnSpcReduction="20000"/>
           </a:bodyPr>
           <a:lstStyle/>
           <a:p>
@@ -4389,19 +4342,9 @@
             <a:pPr marL="0" indent="0">
               <a:buNone/>
             </a:pPr>
-            <a:endParaRPr lang="en-US" b="1" dirty="0" smtClean="0"/>
-          </a:p>
-          <a:p>
-            <a:pPr marL="0" indent="0">
-              <a:buNone/>
-            </a:pPr>
             <a:r>
               <a:rPr lang="en-US" b="1" dirty="0" smtClean="0"/>
-              <a:t>In </a:t>
-            </a:r>
-            <a:r>
-              <a:rPr lang="en-US" b="1" dirty="0" smtClean="0"/>
-              <a:t>regards to changing a size or position, the frame width and height changes with the original picture size</a:t>
+              <a:t>In regards to changing a size or position, the frame width and height changes with the original picture size</a:t>
             </a:r>
           </a:p>
           <a:p>
@@ -4557,7 +4500,391 @@
             <a:pPr marL="0" indent="0">
               <a:buNone/>
             </a:pPr>
-            <a:endParaRPr lang="en-US" dirty="0" smtClean="0"/>
+            <a:r>
+              <a:rPr lang="en-US" b="1" dirty="0" smtClean="0"/>
+              <a:t>All shapes and lines formed change </a:t>
+            </a:r>
+            <a:r>
+              <a:rPr lang="en-US" b="1" dirty="0" smtClean="0"/>
+              <a:t>in regards to the original height and width of the picture and adapts to the original dimensions. </a:t>
+            </a:r>
+            <a:endParaRPr lang="en-US" b="1" dirty="0" smtClean="0"/>
+          </a:p>
+          <a:p>
+            <a:pPr marL="0" indent="0">
+              <a:buNone/>
+            </a:pPr>
+            <a:endParaRPr lang="en-US" b="1" dirty="0" smtClean="0"/>
+          </a:p>
+          <a:p>
+            <a:pPr marL="0" indent="0">
+              <a:buNone/>
+            </a:pPr>
+            <a:r>
+              <a:rPr lang="en-US" dirty="0" smtClean="0"/>
+              <a:t> </a:t>
+            </a:r>
+            <a:r>
+              <a:rPr lang="en-US" dirty="0" smtClean="0"/>
+              <a:t>void </a:t>
+            </a:r>
+            <a:r>
+              <a:rPr lang="en-US" dirty="0" err="1" smtClean="0"/>
+              <a:t>keyPressed</a:t>
+            </a:r>
+            <a:r>
+              <a:rPr lang="en-US" dirty="0" smtClean="0"/>
+              <a:t>() {</a:t>
+            </a:r>
+          </a:p>
+          <a:p>
+            <a:pPr marL="0" indent="0">
+              <a:buNone/>
+            </a:pPr>
+            <a:r>
+              <a:rPr lang="en-US" dirty="0" smtClean="0"/>
+              <a:t>  if (key == CODED) {</a:t>
+            </a:r>
+          </a:p>
+          <a:p>
+            <a:pPr marL="0" indent="0">
+              <a:buNone/>
+            </a:pPr>
+            <a:r>
+              <a:rPr lang="en-US" b="1" dirty="0" smtClean="0"/>
+              <a:t>    float x = </a:t>
+            </a:r>
+            <a:r>
+              <a:rPr lang="en-US" b="1" dirty="0" err="1" smtClean="0"/>
+              <a:t>img.width</a:t>
+            </a:r>
+            <a:r>
+              <a:rPr lang="en-US" b="1" dirty="0" smtClean="0"/>
+              <a:t>*</a:t>
+            </a:r>
+            <a:r>
+              <a:rPr lang="en-US" b="1" dirty="0" err="1" smtClean="0"/>
+              <a:t>pow</a:t>
+            </a:r>
+            <a:r>
+              <a:rPr lang="en-US" b="1" dirty="0" smtClean="0"/>
+              <a:t>(1.1,p)/15;</a:t>
+            </a:r>
+          </a:p>
+          <a:p>
+            <a:pPr marL="0" indent="0">
+              <a:buNone/>
+            </a:pPr>
+            <a:r>
+              <a:rPr lang="en-US" b="1" dirty="0" smtClean="0"/>
+              <a:t>    float y = </a:t>
+            </a:r>
+            <a:r>
+              <a:rPr lang="en-US" b="1" dirty="0" err="1" smtClean="0"/>
+              <a:t>img.height</a:t>
+            </a:r>
+            <a:r>
+              <a:rPr lang="en-US" b="1" dirty="0" smtClean="0"/>
+              <a:t>*</a:t>
+            </a:r>
+            <a:r>
+              <a:rPr lang="en-US" b="1" dirty="0" err="1" smtClean="0"/>
+              <a:t>pow</a:t>
+            </a:r>
+            <a:r>
+              <a:rPr lang="en-US" b="1" dirty="0" smtClean="0"/>
+              <a:t>(1.1,p)/30;</a:t>
+            </a:r>
+          </a:p>
+          <a:p>
+            <a:pPr marL="0" indent="0">
+              <a:buNone/>
+            </a:pPr>
+            <a:r>
+              <a:rPr lang="en-US" dirty="0" smtClean="0"/>
+              <a:t>    stroke(1);</a:t>
+            </a:r>
+          </a:p>
+          <a:p>
+            <a:pPr marL="0" indent="0">
+              <a:buNone/>
+            </a:pPr>
+            <a:r>
+              <a:rPr lang="en-US" dirty="0" smtClean="0"/>
+              <a:t>    for(</a:t>
+            </a:r>
+            <a:r>
+              <a:rPr lang="en-US" dirty="0" err="1" smtClean="0"/>
+              <a:t>int</a:t>
+            </a:r>
+            <a:r>
+              <a:rPr lang="en-US" dirty="0" smtClean="0"/>
+              <a:t> </a:t>
+            </a:r>
+            <a:r>
+              <a:rPr lang="en-US" dirty="0" err="1" smtClean="0"/>
+              <a:t>i</a:t>
+            </a:r>
+            <a:r>
+              <a:rPr lang="en-US" dirty="0" smtClean="0"/>
+              <a:t> = 0; </a:t>
+            </a:r>
+            <a:r>
+              <a:rPr lang="en-US" dirty="0" err="1" smtClean="0"/>
+              <a:t>i</a:t>
+            </a:r>
+            <a:r>
+              <a:rPr lang="en-US" dirty="0" smtClean="0"/>
+              <a:t> &lt; </a:t>
+            </a:r>
+            <a:r>
+              <a:rPr lang="en-US" dirty="0" err="1" smtClean="0"/>
+              <a:t>img.width</a:t>
+            </a:r>
+            <a:r>
+              <a:rPr lang="en-US" dirty="0" smtClean="0"/>
+              <a:t>; </a:t>
+            </a:r>
+            <a:r>
+              <a:rPr lang="en-US" dirty="0" err="1" smtClean="0"/>
+              <a:t>i</a:t>
+            </a:r>
+            <a:r>
+              <a:rPr lang="en-US" dirty="0" smtClean="0"/>
+              <a:t> += x){</a:t>
+            </a:r>
+          </a:p>
+          <a:p>
+            <a:pPr marL="0" indent="0">
+              <a:buNone/>
+            </a:pPr>
+            <a:r>
+              <a:rPr lang="en-US" dirty="0" smtClean="0"/>
+              <a:t>      for(</a:t>
+            </a:r>
+            <a:r>
+              <a:rPr lang="en-US" dirty="0" err="1" smtClean="0"/>
+              <a:t>int</a:t>
+            </a:r>
+            <a:r>
+              <a:rPr lang="en-US" dirty="0" smtClean="0"/>
+              <a:t> j = 0; j &lt; </a:t>
+            </a:r>
+            <a:r>
+              <a:rPr lang="en-US" dirty="0" err="1" smtClean="0"/>
+              <a:t>img.height</a:t>
+            </a:r>
+            <a:r>
+              <a:rPr lang="en-US" dirty="0" smtClean="0"/>
+              <a:t>; j += y){</a:t>
+            </a:r>
+          </a:p>
+          <a:p>
+            <a:pPr marL="0" indent="0">
+              <a:buNone/>
+            </a:pPr>
+            <a:r>
+              <a:rPr lang="en-US" dirty="0" smtClean="0"/>
+              <a:t>        fill(</a:t>
+            </a:r>
+            <a:r>
+              <a:rPr lang="en-US" dirty="0" err="1" smtClean="0"/>
+              <a:t>int</a:t>
+            </a:r>
+            <a:r>
+              <a:rPr lang="en-US" dirty="0" smtClean="0"/>
+              <a:t>(random(255)),</a:t>
+            </a:r>
+            <a:r>
+              <a:rPr lang="en-US" dirty="0" err="1" smtClean="0"/>
+              <a:t>int</a:t>
+            </a:r>
+            <a:r>
+              <a:rPr lang="en-US" dirty="0" smtClean="0"/>
+              <a:t>(random(255)),</a:t>
+            </a:r>
+            <a:r>
+              <a:rPr lang="en-US" dirty="0" err="1" smtClean="0"/>
+              <a:t>int</a:t>
+            </a:r>
+            <a:r>
+              <a:rPr lang="en-US" dirty="0" smtClean="0"/>
+              <a:t>(random(255)));</a:t>
+            </a:r>
+          </a:p>
+          <a:p>
+            <a:pPr marL="0" indent="0">
+              <a:buNone/>
+            </a:pPr>
+            <a:r>
+              <a:rPr lang="en-US" dirty="0" smtClean="0"/>
+              <a:t>        </a:t>
+            </a:r>
+            <a:r>
+              <a:rPr lang="en-US" b="1" dirty="0" err="1" smtClean="0"/>
+              <a:t>rect</a:t>
+            </a:r>
+            <a:r>
+              <a:rPr lang="en-US" b="1" dirty="0" smtClean="0"/>
+              <a:t>(</a:t>
+            </a:r>
+            <a:r>
+              <a:rPr lang="en-US" b="1" dirty="0" err="1" smtClean="0"/>
+              <a:t>i,j,x,y</a:t>
+            </a:r>
+            <a:r>
+              <a:rPr lang="en-US" b="1" dirty="0" smtClean="0"/>
+              <a:t>);</a:t>
+            </a:r>
+          </a:p>
+          <a:p>
+            <a:pPr marL="0" indent="0">
+              <a:buNone/>
+            </a:pPr>
+            <a:r>
+              <a:rPr lang="en-US" dirty="0" smtClean="0"/>
+              <a:t>      }</a:t>
+            </a:r>
+          </a:p>
+          <a:p>
+            <a:pPr marL="0" indent="0">
+              <a:buNone/>
+            </a:pPr>
+            <a:r>
+              <a:rPr lang="en-US" dirty="0" smtClean="0"/>
+              <a:t>    }</a:t>
+            </a:r>
+          </a:p>
+          <a:p>
+            <a:pPr marL="0" indent="0">
+              <a:buNone/>
+            </a:pPr>
+            <a:r>
+              <a:rPr lang="en-US" dirty="0" smtClean="0"/>
+              <a:t>    if (</a:t>
+            </a:r>
+            <a:r>
+              <a:rPr lang="en-US" dirty="0" err="1" smtClean="0"/>
+              <a:t>keyCode</a:t>
+            </a:r>
+            <a:r>
+              <a:rPr lang="en-US" dirty="0" smtClean="0"/>
+              <a:t> == UP) { //size</a:t>
+            </a:r>
+          </a:p>
+          <a:p>
+            <a:pPr marL="0" indent="0">
+              <a:buNone/>
+            </a:pPr>
+            <a:r>
+              <a:rPr lang="en-US" dirty="0" smtClean="0"/>
+              <a:t>      p++;</a:t>
+            </a:r>
+          </a:p>
+          <a:p>
+            <a:pPr marL="0" indent="0">
+              <a:buNone/>
+            </a:pPr>
+            <a:r>
+              <a:rPr lang="en-US" dirty="0" smtClean="0"/>
+              <a:t>    } else if (</a:t>
+            </a:r>
+            <a:r>
+              <a:rPr lang="en-US" dirty="0" err="1" smtClean="0"/>
+              <a:t>keyCode</a:t>
+            </a:r>
+            <a:r>
+              <a:rPr lang="en-US" dirty="0" smtClean="0"/>
+              <a:t> == DOWN) {</a:t>
+            </a:r>
+          </a:p>
+          <a:p>
+            <a:pPr marL="0" indent="0">
+              <a:buNone/>
+            </a:pPr>
+            <a:r>
+              <a:rPr lang="en-US" dirty="0" smtClean="0"/>
+              <a:t>      p--;</a:t>
+            </a:r>
+          </a:p>
+          <a:p>
+            <a:pPr marL="0" indent="0">
+              <a:buNone/>
+            </a:pPr>
+            <a:r>
+              <a:rPr lang="en-US" dirty="0" smtClean="0"/>
+              <a:t>    } else if (</a:t>
+            </a:r>
+            <a:r>
+              <a:rPr lang="en-US" dirty="0" err="1" smtClean="0"/>
+              <a:t>keyCode</a:t>
+            </a:r>
+            <a:r>
+              <a:rPr lang="en-US" dirty="0" smtClean="0"/>
+              <a:t> == RIGHT) { //position</a:t>
+            </a:r>
+          </a:p>
+          <a:p>
+            <a:pPr marL="0" indent="0">
+              <a:buNone/>
+            </a:pPr>
+            <a:r>
+              <a:rPr lang="en-US" dirty="0" smtClean="0"/>
+              <a:t>      q+=10;</a:t>
+            </a:r>
+          </a:p>
+          <a:p>
+            <a:pPr marL="0" indent="0">
+              <a:buNone/>
+            </a:pPr>
+            <a:r>
+              <a:rPr lang="en-US" dirty="0" smtClean="0"/>
+              <a:t>    } else if (</a:t>
+            </a:r>
+            <a:r>
+              <a:rPr lang="en-US" dirty="0" err="1" smtClean="0"/>
+              <a:t>keyCode</a:t>
+            </a:r>
+            <a:r>
+              <a:rPr lang="en-US" dirty="0" smtClean="0"/>
+              <a:t> == LEFT) {</a:t>
+            </a:r>
+          </a:p>
+          <a:p>
+            <a:pPr marL="0" indent="0">
+              <a:buNone/>
+            </a:pPr>
+            <a:r>
+              <a:rPr lang="en-US" dirty="0" smtClean="0"/>
+              <a:t>      q-=10;</a:t>
+            </a:r>
+          </a:p>
+          <a:p>
+            <a:pPr marL="0" indent="0">
+              <a:buNone/>
+            </a:pPr>
+            <a:r>
+              <a:rPr lang="en-US" dirty="0" smtClean="0"/>
+              <a:t>    }</a:t>
+            </a:r>
+          </a:p>
+          <a:p>
+            <a:pPr marL="0" indent="0">
+              <a:buNone/>
+            </a:pPr>
+            <a:r>
+              <a:rPr lang="en-US" dirty="0" smtClean="0"/>
+              <a:t>  }</a:t>
+            </a:r>
+          </a:p>
+          <a:p>
+            <a:pPr marL="0" indent="0">
+              <a:buNone/>
+            </a:pPr>
+            <a:r>
+              <a:rPr lang="en-US" dirty="0" smtClean="0"/>
+              <a:t>}</a:t>
+            </a:r>
           </a:p>
           <a:p>
             <a:pPr marL="0" indent="0">
@@ -4569,33 +4896,81 @@
             <a:pPr marL="0" indent="0">
               <a:buNone/>
             </a:pPr>
-            <a:endParaRPr lang="en-US" dirty="0" smtClean="0"/>
+            <a:r>
+              <a:rPr lang="en-US" dirty="0" smtClean="0"/>
+              <a:t>void draw() {</a:t>
+            </a:r>
           </a:p>
           <a:p>
             <a:pPr marL="0" indent="0">
               <a:buNone/>
             </a:pPr>
-            <a:endParaRPr lang="en-US" dirty="0" smtClean="0"/>
+            <a:r>
+              <a:rPr lang="en-US" dirty="0" smtClean="0"/>
+              <a:t>  </a:t>
+            </a:r>
+            <a:r>
+              <a:rPr lang="en-US" dirty="0" err="1" smtClean="0"/>
+              <a:t>textFont</a:t>
+            </a:r>
+            <a:r>
+              <a:rPr lang="en-US" dirty="0" smtClean="0"/>
+              <a:t>(f,16);</a:t>
+            </a:r>
           </a:p>
           <a:p>
             <a:pPr marL="0" indent="0">
               <a:buNone/>
             </a:pPr>
-            <a:endParaRPr lang="en-US" dirty="0" smtClean="0"/>
+            <a:r>
+              <a:rPr lang="en-US" dirty="0" smtClean="0"/>
+              <a:t>  fill(255);</a:t>
+            </a:r>
           </a:p>
           <a:p>
             <a:pPr marL="0" indent="0">
               <a:buNone/>
             </a:pPr>
-            <a:endParaRPr lang="en-US" dirty="0" smtClean="0"/>
+            <a:r>
+              <a:rPr lang="en-US" dirty="0" smtClean="0"/>
+              <a:t>  text("Press: Left, Right, Up, or Down",0,16);</a:t>
+            </a:r>
           </a:p>
           <a:p>
             <a:pPr marL="0" indent="0">
               <a:buNone/>
             </a:pPr>
             <a:r>
+              <a:rPr lang="en-US" dirty="0" smtClean="0"/>
+              <a:t> </a:t>
+            </a:r>
+            <a:r>
               <a:rPr lang="en-US" b="1" dirty="0" smtClean="0"/>
-              <a:t>The background boxes formed also changed in regards to the original height and width of the picture and adapts to the original dimensions. </a:t>
+              <a:t> float </a:t>
+            </a:r>
+            <a:r>
+              <a:rPr lang="en-US" b="1" dirty="0" err="1" smtClean="0"/>
+              <a:t>iWidth</a:t>
+            </a:r>
+            <a:r>
+              <a:rPr lang="en-US" b="1" dirty="0" smtClean="0"/>
+              <a:t> = </a:t>
+            </a:r>
+            <a:r>
+              <a:rPr lang="en-US" b="1" dirty="0" err="1" smtClean="0"/>
+              <a:t>img.width</a:t>
+            </a:r>
+            <a:r>
+              <a:rPr lang="en-US" b="1" dirty="0" smtClean="0"/>
+              <a:t>*</a:t>
+            </a:r>
+            <a:r>
+              <a:rPr lang="en-US" b="1" dirty="0" err="1" smtClean="0"/>
+              <a:t>pow</a:t>
+            </a:r>
+            <a:r>
+              <a:rPr lang="en-US" b="1" dirty="0" smtClean="0"/>
+              <a:t>(1.1,p);</a:t>
             </a:r>
           </a:p>
           <a:p>
@@ -4603,59 +4978,49 @@
               <a:buNone/>
             </a:pPr>
             <a:r>
+              <a:rPr lang="en-US" b="1" dirty="0" smtClean="0"/>
+              <a:t>  float </a:t>
+            </a:r>
+            <a:r>
+              <a:rPr lang="en-US" b="1" dirty="0" err="1" smtClean="0"/>
+              <a:t>iHeight</a:t>
+            </a:r>
+            <a:r>
+              <a:rPr lang="en-US" b="1" dirty="0" smtClean="0"/>
+              <a:t> = </a:t>
+            </a:r>
+            <a:r>
+              <a:rPr lang="en-US" b="1" dirty="0" err="1" smtClean="0"/>
+              <a:t>img.height</a:t>
+            </a:r>
+            <a:r>
+              <a:rPr lang="en-US" b="1" dirty="0" smtClean="0"/>
+              <a:t>*</a:t>
+            </a:r>
+            <a:r>
+              <a:rPr lang="en-US" b="1" dirty="0" err="1" smtClean="0"/>
+              <a:t>pow</a:t>
+            </a:r>
+            <a:r>
+              <a:rPr lang="en-US" b="1" dirty="0" smtClean="0"/>
+              <a:t>(1.1,p);</a:t>
+            </a:r>
+          </a:p>
+          <a:p>
+            <a:pPr marL="0" indent="0">
+              <a:buNone/>
+            </a:pPr>
+            <a:r>
               <a:rPr lang="en-US" dirty="0" smtClean="0"/>
-              <a:t> </a:t>
-            </a:r>
-          </a:p>
-          <a:p>
-            <a:pPr marL="0" indent="0">
-              <a:buNone/>
-            </a:pPr>
+              <a:t>  image(</a:t>
+            </a:r>
+            <a:r>
+              <a:rPr lang="en-US" dirty="0" err="1" smtClean="0"/>
+              <a:t>img</a:t>
+            </a:r>
             <a:r>
               <a:rPr lang="en-US" dirty="0" smtClean="0"/>
-              <a:t>void </a:t>
-            </a:r>
-            <a:r>
-              <a:rPr lang="en-US" dirty="0" err="1" smtClean="0"/>
-              <a:t>mousePressed</a:t>
-            </a:r>
-            <a:r>
-              <a:rPr lang="en-US" dirty="0" smtClean="0"/>
-              <a:t>() {</a:t>
-            </a:r>
-          </a:p>
-          <a:p>
-            <a:pPr marL="0" indent="0">
-              <a:buNone/>
-            </a:pPr>
-            <a:r>
-              <a:rPr lang="en-US" dirty="0" smtClean="0"/>
-              <a:t>  if (</a:t>
-            </a:r>
-            <a:r>
-              <a:rPr lang="en-US" dirty="0" err="1" smtClean="0"/>
-              <a:t>mouseButton</a:t>
-            </a:r>
-            <a:r>
-              <a:rPr lang="en-US" dirty="0" smtClean="0"/>
-              <a:t> == LEFT) {</a:t>
-            </a:r>
-          </a:p>
-          <a:p>
-            <a:pPr marL="0" indent="0">
-              <a:buNone/>
-            </a:pPr>
-            <a:r>
-              <a:rPr lang="en-US" dirty="0" smtClean="0"/>
-              <a:t>    </a:t>
-            </a:r>
-            <a:r>
-              <a:rPr lang="en-US" dirty="0" err="1" smtClean="0"/>
-              <a:t>int</a:t>
-            </a:r>
-            <a:r>
-              <a:rPr lang="en-US" dirty="0" smtClean="0"/>
-              <a:t> x = </a:t>
+              <a:t>, </a:t>
             </a:r>
             <a:r>
               <a:rPr lang="en-US" dirty="0" err="1" smtClean="0"/>
@@ -4663,7 +5028,7 @@
             </a:r>
             <a:r>
               <a:rPr lang="en-US" dirty="0" smtClean="0"/>
-              <a:t>/15;</a:t>
+              <a:t>, 0);</a:t>
             </a:r>
           </a:p>
           <a:p>
@@ -4672,23 +5037,58 @@
             </a:pPr>
             <a:r>
               <a:rPr lang="en-US" dirty="0" smtClean="0"/>
-              <a:t>    </a:t>
+              <a:t>  stroke(1);</a:t>
+            </a:r>
+          </a:p>
+          <a:p>
+            <a:pPr marL="0" indent="0">
+              <a:buNone/>
+            </a:pPr>
+            <a:r>
+              <a:rPr lang="en-US" dirty="0" smtClean="0"/>
+              <a:t>  fill(19,26,34); // black shoes</a:t>
+            </a:r>
+          </a:p>
+          <a:p>
+            <a:pPr marL="0" indent="0">
+              <a:buNone/>
+            </a:pPr>
+            <a:r>
+              <a:rPr lang="en-US" dirty="0" smtClean="0"/>
+              <a:t>  </a:t>
             </a:r>
             <a:r>
               <a:rPr lang="en-US" dirty="0" err="1" smtClean="0"/>
-              <a:t>int</a:t>
+              <a:t>beginShape</a:t>
             </a:r>
             <a:r>
               <a:rPr lang="en-US" dirty="0" smtClean="0"/>
-              <a:t> y = </a:t>
-            </a:r>
-            <a:r>
-              <a:rPr lang="en-US" dirty="0" err="1" smtClean="0"/>
-              <a:t>img.height</a:t>
-            </a:r>
+              <a:t>();</a:t>
+            </a:r>
+          </a:p>
+          <a:p>
+            <a:pPr marL="0" indent="0">
+              <a:buNone/>
+            </a:pPr>
             <a:r>
               <a:rPr lang="en-US" dirty="0" smtClean="0"/>
-              <a:t>/30;</a:t>
+              <a:t>  </a:t>
+            </a:r>
+            <a:r>
+              <a:rPr lang="en-US" b="1" dirty="0" err="1" smtClean="0"/>
+              <a:t>curveVertex</a:t>
+            </a:r>
+            <a:r>
+              <a:rPr lang="en-US" b="1" dirty="0" smtClean="0"/>
+              <a:t>(0.333333333*iWidth+q,0.864640884*</a:t>
+            </a:r>
+            <a:r>
+              <a:rPr lang="en-US" b="1" dirty="0" err="1" smtClean="0"/>
+              <a:t>iHeight</a:t>
+            </a:r>
+            <a:r>
+              <a:rPr lang="en-US" b="1" dirty="0" smtClean="0"/>
+              <a:t>);</a:t>
             </a:r>
           </a:p>
           <a:p>
@@ -4696,226 +5096,25 @@
               <a:buNone/>
             </a:pPr>
             <a:r>
-              <a:rPr lang="en-US" dirty="0" smtClean="0"/>
-              <a:t>    stroke(1);</a:t>
-            </a:r>
-          </a:p>
-          <a:p>
-            <a:pPr marL="0" indent="0">
-              <a:buNone/>
-            </a:pPr>
-            <a:r>
-              <a:rPr lang="en-US" dirty="0" smtClean="0"/>
-              <a:t>    for(</a:t>
-            </a:r>
-            <a:r>
-              <a:rPr lang="en-US" dirty="0" err="1" smtClean="0"/>
-              <a:t>int</a:t>
-            </a:r>
-            <a:r>
-              <a:rPr lang="en-US" dirty="0" smtClean="0"/>
-              <a:t> </a:t>
-            </a:r>
-            <a:r>
-              <a:rPr lang="en-US" dirty="0" err="1" smtClean="0"/>
-              <a:t>i</a:t>
-            </a:r>
-            <a:r>
-              <a:rPr lang="en-US" dirty="0" smtClean="0"/>
-              <a:t> = 0; </a:t>
-            </a:r>
-            <a:r>
-              <a:rPr lang="en-US" dirty="0" err="1" smtClean="0"/>
-              <a:t>i</a:t>
-            </a:r>
-            <a:r>
-              <a:rPr lang="en-US" dirty="0" smtClean="0"/>
-              <a:t> &lt; </a:t>
-            </a:r>
-            <a:r>
-              <a:rPr lang="en-US" dirty="0" err="1" smtClean="0"/>
-              <a:t>img.width</a:t>
-            </a:r>
-            <a:r>
-              <a:rPr lang="en-US" dirty="0" smtClean="0"/>
-              <a:t>; </a:t>
-            </a:r>
-            <a:r>
-              <a:rPr lang="en-US" dirty="0" err="1" smtClean="0"/>
-              <a:t>i</a:t>
-            </a:r>
-            <a:r>
-              <a:rPr lang="en-US" dirty="0" smtClean="0"/>
-              <a:t> += x){</a:t>
-            </a:r>
-          </a:p>
-          <a:p>
-            <a:pPr marL="0" indent="0">
-              <a:buNone/>
-            </a:pPr>
-            <a:r>
-              <a:rPr lang="en-US" dirty="0" smtClean="0"/>
-              <a:t>      for(</a:t>
-            </a:r>
-            <a:r>
-              <a:rPr lang="en-US" dirty="0" err="1" smtClean="0"/>
-              <a:t>int</a:t>
-            </a:r>
-            <a:r>
-              <a:rPr lang="en-US" dirty="0" smtClean="0"/>
-              <a:t> j = 0; j &lt; </a:t>
-            </a:r>
-            <a:r>
-              <a:rPr lang="en-US" dirty="0" err="1" smtClean="0"/>
-              <a:t>img.height</a:t>
-            </a:r>
-            <a:r>
-              <a:rPr lang="en-US" dirty="0" smtClean="0"/>
-              <a:t>; j += y){</a:t>
-            </a:r>
-          </a:p>
-          <a:p>
-            <a:pPr marL="0" indent="0">
-              <a:buNone/>
-            </a:pPr>
-            <a:r>
-              <a:rPr lang="en-US" dirty="0" smtClean="0"/>
-              <a:t>        fill(</a:t>
-            </a:r>
-            <a:r>
-              <a:rPr lang="en-US" dirty="0" err="1" smtClean="0"/>
-              <a:t>int</a:t>
-            </a:r>
-            <a:r>
-              <a:rPr lang="en-US" dirty="0" smtClean="0"/>
-              <a:t>(random(255)),</a:t>
-            </a:r>
-            <a:r>
-              <a:rPr lang="en-US" dirty="0" err="1" smtClean="0"/>
-              <a:t>int</a:t>
-            </a:r>
-            <a:r>
-              <a:rPr lang="en-US" dirty="0" smtClean="0"/>
-              <a:t>(random(255)),</a:t>
-            </a:r>
-            <a:r>
-              <a:rPr lang="en-US" dirty="0" err="1" smtClean="0"/>
-              <a:t>int</a:t>
-            </a:r>
-            <a:r>
-              <a:rPr lang="en-US" dirty="0" smtClean="0"/>
-              <a:t>(random(255)));</a:t>
-            </a:r>
-          </a:p>
-          <a:p>
-            <a:pPr marL="0" indent="0">
-              <a:buNone/>
-            </a:pPr>
-            <a:r>
-              <a:rPr lang="en-US" dirty="0" smtClean="0"/>
-              <a:t>        </a:t>
-            </a:r>
-            <a:r>
-              <a:rPr lang="en-US" dirty="0" err="1" smtClean="0"/>
-              <a:t>rect</a:t>
-            </a:r>
-            <a:r>
-              <a:rPr lang="en-US" dirty="0" smtClean="0"/>
-              <a:t>(</a:t>
-            </a:r>
-            <a:r>
-              <a:rPr lang="en-US" dirty="0" err="1" smtClean="0"/>
-              <a:t>i,j,x,y</a:t>
-            </a:r>
-            <a:r>
-              <a:rPr lang="en-US" dirty="0" smtClean="0"/>
+              <a:rPr lang="en-US" b="1" dirty="0" smtClean="0"/>
+              <a:t>  </a:t>
+            </a:r>
+            <a:r>
+              <a:rPr lang="en-US" b="1" dirty="0" err="1" smtClean="0"/>
+              <a:t>curveVertex</a:t>
+            </a:r>
+            <a:r>
+              <a:rPr lang="en-US" b="1" dirty="0" smtClean="0"/>
+              <a:t>(0.333333333*iWidth+q,0.864640884*</a:t>
+            </a:r>
+            <a:r>
+              <a:rPr lang="en-US" b="1" dirty="0" err="1" smtClean="0"/>
+              <a:t>iHeight</a:t>
+            </a:r>
+            <a:r>
+              <a:rPr lang="en-US" b="1" dirty="0" smtClean="0"/>
               <a:t>);</a:t>
             </a:r>
-          </a:p>
-          <a:p>
-            <a:pPr marL="0" indent="0">
-              <a:buNone/>
-            </a:pPr>
-            <a:r>
-              <a:rPr lang="en-US" dirty="0" smtClean="0"/>
-              <a:t>      }</a:t>
-            </a:r>
-          </a:p>
-          <a:p>
-            <a:pPr marL="0" indent="0">
-              <a:buNone/>
-            </a:pPr>
-            <a:r>
-              <a:rPr lang="en-US" dirty="0" smtClean="0"/>
-              <a:t>    }</a:t>
-            </a:r>
-          </a:p>
-          <a:p>
-            <a:pPr marL="0" indent="0">
-              <a:buNone/>
-            </a:pPr>
-            <a:r>
-              <a:rPr lang="en-US" dirty="0" smtClean="0"/>
-              <a:t>  } else if(</a:t>
-            </a:r>
-            <a:r>
-              <a:rPr lang="en-US" dirty="0" err="1" smtClean="0"/>
-              <a:t>mouseButton</a:t>
-            </a:r>
-            <a:r>
-              <a:rPr lang="en-US" dirty="0" smtClean="0"/>
-              <a:t> == RIGHT) {</a:t>
-            </a:r>
-          </a:p>
-          <a:p>
-            <a:pPr marL="0" indent="0">
-              <a:buNone/>
-            </a:pPr>
-            <a:r>
-              <a:rPr lang="en-US" dirty="0" smtClean="0"/>
-              <a:t>    save("final.jpg");</a:t>
-            </a:r>
-          </a:p>
-          <a:p>
-            <a:pPr marL="0" indent="0">
-              <a:buNone/>
-            </a:pPr>
-            <a:r>
-              <a:rPr lang="en-US" dirty="0" smtClean="0"/>
-              <a:t>  }</a:t>
-            </a:r>
-          </a:p>
-          <a:p>
-            <a:pPr marL="0" indent="0">
-              <a:buNone/>
-            </a:pPr>
-            <a:r>
-              <a:rPr lang="en-US" dirty="0" smtClean="0"/>
-              <a:t>}</a:t>
-            </a:r>
-          </a:p>
-          <a:p>
-            <a:pPr marL="0" indent="0">
-              <a:buNone/>
-            </a:pPr>
-            <a:r>
-              <a:rPr lang="en-US" dirty="0" smtClean="0"/>
-              <a:t> </a:t>
-            </a:r>
-          </a:p>
-          <a:p>
-            <a:pPr marL="0" indent="0">
-              <a:buNone/>
-            </a:pPr>
-            <a:r>
-              <a:rPr lang="en-US" b="1" dirty="0" smtClean="0"/>
-              <a:t>Otherwise, the shapes and lines used are pretty </a:t>
-            </a:r>
-            <a:r>
-              <a:rPr lang="en-US" b="1" dirty="0" smtClean="0"/>
-              <a:t>static</a:t>
-            </a:r>
-            <a:endParaRPr lang="en-US" b="1" dirty="0" smtClean="0"/>
           </a:p>
         </p:txBody>
       </p:sp>
